--- a/teaching/ITIS6200/2023fa/lectures/final.review.pptx
+++ b/teaching/ITIS6200/2023fa/lectures/final.review.pptx
@@ -29,11 +29,11 @@
     <p:sldId id="374" r:id="rId20"/>
     <p:sldId id="376" r:id="rId21"/>
     <p:sldId id="375" r:id="rId22"/>
-    <p:sldId id="378" r:id="rId23"/>
-    <p:sldId id="379" r:id="rId24"/>
-    <p:sldId id="377" r:id="rId25"/>
-    <p:sldId id="380" r:id="rId26"/>
-    <p:sldId id="381" r:id="rId27"/>
+    <p:sldId id="379" r:id="rId23"/>
+    <p:sldId id="377" r:id="rId24"/>
+    <p:sldId id="380" r:id="rId25"/>
+    <p:sldId id="381" r:id="rId26"/>
+    <p:sldId id="382" r:id="rId27"/>
   </p:sldIdLst>
   <p:sldSz cx="9144000" cy="5143500" type="screen16x9"/>
   <p:notesSz cx="6858000" cy="9144000"/>
@@ -296,11 +296,11 @@
             <p14:sldId id="374"/>
             <p14:sldId id="376"/>
             <p14:sldId id="375"/>
-            <p14:sldId id="378"/>
             <p14:sldId id="379"/>
             <p14:sldId id="377"/>
             <p14:sldId id="380"/>
             <p14:sldId id="381"/>
+            <p14:sldId id="382"/>
           </p14:sldIdLst>
         </p14:section>
       </p14:sectionLst>
@@ -5898,7 +5898,7 @@
         </p:spPr>
         <p:txBody>
           <a:bodyPr spcFirstLastPara="1" wrap="square" lIns="91425" tIns="91425" rIns="91425" bIns="91425" anchor="t" anchorCtr="0">
-            <a:normAutofit fontScale="92500" lnSpcReduction="20000"/>
+            <a:normAutofit fontScale="85000" lnSpcReduction="20000"/>
           </a:bodyPr>
           <a:lstStyle/>
           <a:p>
@@ -5914,7 +5914,7 @@
             </a:pPr>
             <a:r>
               <a:rPr lang="en-US" dirty="0"/>
-              <a:t>Course Evaluation! </a:t>
+              <a:t>Course Evaluation! (Canvas)</a:t>
             </a:r>
           </a:p>
           <a:p>
@@ -5922,13 +5922,6 @@
             <a:r>
               <a:rPr lang="en-US" dirty="0"/>
               <a:t>Extra 1%</a:t>
-            </a:r>
-          </a:p>
-          <a:p>
-            <a:pPr lvl="1"/>
-            <a:r>
-              <a:rPr lang="en-US" dirty="0"/>
-              <a:t>Submit at Canvas</a:t>
             </a:r>
           </a:p>
           <a:p>
@@ -5967,6 +5960,20 @@
             </a:r>
           </a:p>
           <a:p>
+            <a:pPr lvl="1"/>
+            <a:r>
+              <a:rPr lang="en-US" dirty="0"/>
+              <a:t>Paper-based open book exam</a:t>
+            </a:r>
+          </a:p>
+          <a:p>
+            <a:pPr lvl="1"/>
+            <a:r>
+              <a:rPr lang="en-US" dirty="0"/>
+              <a:t>About 9-10 Questions</a:t>
+            </a:r>
+          </a:p>
+          <a:p>
             <a:pPr marL="457200" lvl="0" indent="-342900" algn="l" rtl="0">
               <a:spcBef>
                 <a:spcPts val="0"/>
@@ -5999,7 +6006,7 @@
             <a:pPr lvl="1"/>
             <a:r>
               <a:rPr lang="en-US" dirty="0"/>
-              <a:t>Single-choice questions; about 10 each</a:t>
+              <a:t>Single-choice questions; about 10 questions each</a:t>
             </a:r>
           </a:p>
           <a:p>
@@ -8854,7 +8861,7 @@
             <a:pPr lvl="1"/>
             <a:r>
               <a:rPr lang="en-US" sz="1600" dirty="0"/>
-              <a:t>Access Matrix </a:t>
+              <a:t>What is Access Matrix?</a:t>
             </a:r>
           </a:p>
           <a:p>
@@ -8868,7 +8875,7 @@
             <a:pPr lvl="1"/>
             <a:r>
               <a:rPr lang="en-US" sz="1600" dirty="0"/>
-              <a:t>Trojan Horse attack</a:t>
+              <a:t>How does Trojan Horse attack work?</a:t>
             </a:r>
           </a:p>
           <a:p>
@@ -8947,7 +8954,7 @@
               <a:rPr lang="en-US" spc="-15" dirty="0">
                 <a:cs typeface="Calibri"/>
               </a:rPr>
-              <a:t>(BLP) (Confidentiality)</a:t>
+              <a:t>(BLP)</a:t>
             </a:r>
           </a:p>
           <a:p>
@@ -8971,14 +8978,11 @@
               <a:rPr lang="en-US" spc="-8" dirty="0">
                 <a:cs typeface="Calibri"/>
               </a:rPr>
-              <a:t> Model </a:t>
-            </a:r>
-            <a:r>
-              <a:rPr lang="en-US" spc="-15" dirty="0">
-                <a:cs typeface="Calibri"/>
-              </a:rPr>
-              <a:t>(Integrity)</a:t>
-            </a:r>
+              <a:t> Model</a:t>
+            </a:r>
+            <a:endParaRPr lang="en-US" spc="-15" dirty="0">
+              <a:cs typeface="Calibri"/>
+            </a:endParaRPr>
           </a:p>
           <a:p>
             <a:pPr lvl="1">
@@ -9565,7 +9569,7 @@
           <a:p>
             <a:r>
               <a:rPr lang="en-US" sz="2000" dirty="0"/>
-              <a:t>The basics</a:t>
+              <a:t>The basics (syntax and semantics)</a:t>
             </a:r>
           </a:p>
           <a:p>
@@ -9593,7 +9597,7 @@
             <a:pPr lvl="1"/>
             <a:r>
               <a:rPr lang="en-US" sz="1600" dirty="0"/>
-              <a:t>JavaScript</a:t>
+              <a:t>JavaScript (security problems)</a:t>
             </a:r>
           </a:p>
           <a:p>
@@ -10096,9 +10100,8 @@
             <a:pPr lvl="0"/>
             <a:r>
               <a:rPr lang="en-US" sz="2000" dirty="0"/>
-              <a:t>Cookies</a:t>
-            </a:r>
-            <a:endParaRPr lang="en-US" dirty="0"/>
+              <a:t>Basics of Cookies</a:t>
+            </a:r>
           </a:p>
           <a:p>
             <a:pPr lvl="1"/>
@@ -10111,7 +10114,7 @@
             <a:pPr lvl="1"/>
             <a:r>
               <a:rPr lang="en-US" sz="1600" dirty="0"/>
-              <a:t>Cookie Policy: when to allow cookie creation? What cookies to send?</a:t>
+              <a:t>Cookie Policy: when to allow cookie creation? What cookies to send for a request?</a:t>
             </a:r>
           </a:p>
           <a:p>
@@ -10129,7 +10132,7 @@
             <a:pPr lvl="1"/>
             <a:r>
               <a:rPr lang="en-US" sz="1600" dirty="0"/>
-              <a:t>How session tokens work?</a:t>
+              <a:t>How do session tokens work?</a:t>
             </a:r>
           </a:p>
           <a:p>
@@ -10757,61 +10760,72 @@
               <a:rPr lang="en" sz="2000" dirty="0"/>
               <a:t>Cross-Site Scripting (XSS)</a:t>
             </a:r>
-            <a:endParaRPr lang="en-US" sz="2000" dirty="0"/>
+            <a:endParaRPr lang="en-US" dirty="0"/>
           </a:p>
           <a:p>
             <a:pPr lvl="1"/>
-            <a:endParaRPr lang="en-US" dirty="0"/>
+            <a:r>
+              <a:rPr lang="en-US" sz="1600" dirty="0">
+                <a:solidFill>
+                  <a:schemeClr val="tx1"/>
+                </a:solidFill>
+              </a:rPr>
+              <a:t>How to design a XSS attack?</a:t>
+            </a:r>
           </a:p>
           <a:p>
             <a:pPr lvl="1"/>
             <a:r>
-              <a:rPr lang="en-US" sz="1600" dirty="0"/>
-              <a:t>Stored XSS</a:t>
+              <a:rPr lang="en-US" sz="1600" dirty="0">
+                <a:solidFill>
+                  <a:schemeClr val="tx1"/>
+                </a:solidFill>
+              </a:rPr>
+              <a:t>What are Stored and Reflected XSS?</a:t>
             </a:r>
           </a:p>
           <a:p>
             <a:pPr lvl="1"/>
-            <a:endParaRPr lang="en-US" sz="1600" dirty="0"/>
+            <a:r>
+              <a:rPr lang="en-US" sz="1600" dirty="0">
+                <a:solidFill>
+                  <a:schemeClr val="tx1"/>
+                </a:solidFill>
+              </a:rPr>
+              <a:t>What is difference between CSRF and reflected XSS?</a:t>
+            </a:r>
           </a:p>
           <a:p>
             <a:pPr lvl="1"/>
             <a:r>
-              <a:rPr lang="en-US" sz="1600" dirty="0"/>
-              <a:t>Reflected XSS</a:t>
-            </a:r>
-          </a:p>
-          <a:p>
-            <a:pPr lvl="1"/>
-            <a:endParaRPr lang="en-US" sz="1600" dirty="0"/>
-          </a:p>
-          <a:p>
-            <a:pPr lvl="1"/>
-            <a:r>
-              <a:rPr lang="en-US" sz="1600" dirty="0"/>
-              <a:t>Difference between CSRF and reflected XSS</a:t>
-            </a:r>
-          </a:p>
-          <a:p>
-            <a:pPr lvl="1"/>
-            <a:endParaRPr lang="en-US" sz="1600" dirty="0"/>
-          </a:p>
-          <a:p>
-            <a:pPr lvl="1"/>
-            <a:r>
-              <a:rPr lang="en-US" sz="1600" dirty="0"/>
-              <a:t>Defense: HTML sanitization</a:t>
-            </a:r>
-          </a:p>
-          <a:p>
-            <a:pPr lvl="1"/>
-            <a:endParaRPr lang="en-US" sz="1600" dirty="0"/>
-          </a:p>
-          <a:p>
-            <a:pPr lvl="1"/>
-            <a:r>
-              <a:rPr lang="en-US" sz="1600" dirty="0"/>
-              <a:t>Defense: Content Security Policy (CSP)</a:t>
+              <a:rPr lang="en-US" sz="1600" dirty="0">
+                <a:solidFill>
+                  <a:schemeClr val="tx1"/>
+                </a:solidFill>
+              </a:rPr>
+              <a:t>Defense</a:t>
+            </a:r>
+          </a:p>
+          <a:p>
+            <a:pPr lvl="2"/>
+            <a:r>
+              <a:rPr lang="en-US" sz="1600" dirty="0">
+                <a:solidFill>
+                  <a:schemeClr val="tx1"/>
+                </a:solidFill>
+              </a:rPr>
+              <a:t>HTML sanitization</a:t>
+            </a:r>
+          </a:p>
+          <a:p>
+            <a:pPr lvl="2"/>
+            <a:r>
+              <a:rPr lang="en-US" sz="1600" dirty="0">
+                <a:solidFill>
+                  <a:schemeClr val="tx1"/>
+                </a:solidFill>
+              </a:rPr>
+              <a:t>Content Security Policy (CSP)</a:t>
             </a:r>
           </a:p>
           <a:p>
@@ -10914,7 +10928,7 @@
                                         <p:tgtEl>
                                           <p:spTgt spid="3">
                                             <p:txEl>
-                                              <p:pRg st="2" end="2"/>
+                                              <p:pRg st="1" end="1"/>
                                             </p:txEl>
                                           </p:spTgt>
                                         </p:tgtEl>
@@ -10963,7 +10977,7 @@
                                         <p:tgtEl>
                                           <p:spTgt spid="3">
                                             <p:txEl>
-                                              <p:pRg st="4" end="4"/>
+                                              <p:pRg st="2" end="2"/>
                                             </p:txEl>
                                           </p:spTgt>
                                         </p:tgtEl>
@@ -11012,7 +11026,7 @@
                                         <p:tgtEl>
                                           <p:spTgt spid="3">
                                             <p:txEl>
-                                              <p:pRg st="6" end="6"/>
+                                              <p:pRg st="3" end="3"/>
                                             </p:txEl>
                                           </p:spTgt>
                                         </p:tgtEl>
@@ -11061,7 +11075,7 @@
                                         <p:tgtEl>
                                           <p:spTgt spid="3">
                                             <p:txEl>
-                                              <p:pRg st="8" end="8"/>
+                                              <p:pRg st="4" end="4"/>
                                             </p:txEl>
                                           </p:spTgt>
                                         </p:tgtEl>
@@ -11110,7 +11124,56 @@
                                         <p:tgtEl>
                                           <p:spTgt spid="3">
                                             <p:txEl>
-                                              <p:pRg st="10" end="10"/>
+                                              <p:pRg st="5" end="5"/>
+                                            </p:txEl>
+                                          </p:spTgt>
+                                        </p:tgtEl>
+                                        <p:attrNameLst>
+                                          <p:attrName>style.visibility</p:attrName>
+                                        </p:attrNameLst>
+                                      </p:cBhvr>
+                                      <p:to>
+                                        <p:strVal val="visible"/>
+                                      </p:to>
+                                    </p:set>
+                                  </p:childTnLst>
+                                </p:cTn>
+                              </p:par>
+                            </p:childTnLst>
+                          </p:cTn>
+                        </p:par>
+                      </p:childTnLst>
+                    </p:cTn>
+                  </p:par>
+                  <p:par>
+                    <p:cTn id="27" fill="hold">
+                      <p:stCondLst>
+                        <p:cond delay="indefinite"/>
+                      </p:stCondLst>
+                      <p:childTnLst>
+                        <p:par>
+                          <p:cTn id="28" fill="hold">
+                            <p:stCondLst>
+                              <p:cond delay="0"/>
+                            </p:stCondLst>
+                            <p:childTnLst>
+                              <p:par>
+                                <p:cTn id="29" presetID="1" presetClass="entr" presetSubtype="0" fill="hold" nodeType="clickEffect">
+                                  <p:stCondLst>
+                                    <p:cond delay="0"/>
+                                  </p:stCondLst>
+                                  <p:childTnLst>
+                                    <p:set>
+                                      <p:cBhvr>
+                                        <p:cTn id="30" dur="1" fill="hold">
+                                          <p:stCondLst>
+                                            <p:cond delay="0"/>
+                                          </p:stCondLst>
+                                        </p:cTn>
+                                        <p:tgtEl>
+                                          <p:spTgt spid="3">
+                                            <p:txEl>
+                                              <p:pRg st="6" end="6"/>
                                             </p:txEl>
                                           </p:spTgt>
                                         </p:tgtEl>
@@ -11245,7 +11308,7 @@
             <a:pPr lvl="0"/>
             <a:r>
               <a:rPr lang="en-US" sz="2000" dirty="0"/>
-              <a:t>SQL injection</a:t>
+              <a:t>SQL Injection</a:t>
             </a:r>
             <a:endParaRPr lang="en-US" dirty="0"/>
           </a:p>
@@ -11270,23 +11333,25 @@
           <a:p>
             <a:r>
               <a:rPr lang="en-US" sz="2000" dirty="0"/>
-              <a:t>SQL </a:t>
-            </a:r>
-            <a:r>
-              <a:rPr lang="en-US" sz="2000" dirty="0" err="1"/>
-              <a:t>defence</a:t>
-            </a:r>
-            <a:endParaRPr lang="en-US" sz="2000" dirty="0"/>
+              <a:t>SQL Defense </a:t>
+            </a:r>
           </a:p>
           <a:p>
             <a:pPr lvl="1"/>
+            <a:r>
+              <a:rPr lang="en" sz="1600" dirty="0"/>
+              <a:t>Pros and Cons of </a:t>
+            </a:r>
+          </a:p>
+          <a:p>
+            <a:pPr lvl="2"/>
             <a:r>
               <a:rPr lang="en" sz="1600" dirty="0"/>
               <a:t>Input sanitization </a:t>
             </a:r>
           </a:p>
           <a:p>
-            <a:pPr lvl="1"/>
+            <a:pPr lvl="2"/>
             <a:r>
               <a:rPr lang="en" sz="1600" dirty="0"/>
               <a:t>Prepared statements </a:t>
@@ -11618,6 +11683,55 @@
                       </p:childTnLst>
                     </p:cTn>
                   </p:par>
+                  <p:par>
+                    <p:cTn id="27" fill="hold">
+                      <p:stCondLst>
+                        <p:cond delay="indefinite"/>
+                      </p:stCondLst>
+                      <p:childTnLst>
+                        <p:par>
+                          <p:cTn id="28" fill="hold">
+                            <p:stCondLst>
+                              <p:cond delay="0"/>
+                            </p:stCondLst>
+                            <p:childTnLst>
+                              <p:par>
+                                <p:cTn id="29" presetID="1" presetClass="entr" presetSubtype="0" fill="hold" nodeType="clickEffect">
+                                  <p:stCondLst>
+                                    <p:cond delay="0"/>
+                                  </p:stCondLst>
+                                  <p:childTnLst>
+                                    <p:set>
+                                      <p:cBhvr>
+                                        <p:cTn id="30" dur="1" fill="hold">
+                                          <p:stCondLst>
+                                            <p:cond delay="0"/>
+                                          </p:stCondLst>
+                                        </p:cTn>
+                                        <p:tgtEl>
+                                          <p:spTgt spid="3">
+                                            <p:txEl>
+                                              <p:pRg st="7" end="7"/>
+                                            </p:txEl>
+                                          </p:spTgt>
+                                        </p:tgtEl>
+                                        <p:attrNameLst>
+                                          <p:attrName>style.visibility</p:attrName>
+                                        </p:attrNameLst>
+                                      </p:cBhvr>
+                                      <p:to>
+                                        <p:strVal val="visible"/>
+                                      </p:to>
+                                    </p:set>
+                                  </p:childTnLst>
+                                </p:cTn>
+                              </p:par>
+                            </p:childTnLst>
+                          </p:cTn>
+                        </p:par>
+                      </p:childTnLst>
+                    </p:cTn>
+                  </p:par>
                 </p:childTnLst>
               </p:cTn>
               <p:prevCondLst>
@@ -11740,7 +11854,7 @@
                 <a:latin typeface="+mn-lt"/>
                 <a:cs typeface="Calibri"/>
               </a:rPr>
-              <a:t>Review of Key Concepts</a:t>
+              <a:t>Brief Review of Key Concepts</a:t>
             </a:r>
             <a:endParaRPr sz="2000" dirty="0">
               <a:latin typeface="+mn-lt"/>
@@ -11890,18 +12004,18 @@
             <a:pPr lvl="1"/>
             <a:r>
               <a:rPr lang="en-US" sz="1600" dirty="0"/>
-              <a:t>what does each layer provides? </a:t>
-            </a:r>
-          </a:p>
-          <a:p>
-            <a:pPr lvl="1"/>
+              <a:t>what does each layer provide? </a:t>
+            </a:r>
+          </a:p>
+          <a:p>
+            <a:pPr lvl="2"/>
             <a:r>
               <a:rPr lang="en-US" sz="1600" dirty="0"/>
               <a:t>e.g., MAC address versus IP address</a:t>
             </a:r>
           </a:p>
           <a:p>
-            <a:pPr lvl="1"/>
+            <a:pPr lvl="2"/>
             <a:r>
               <a:rPr lang="en-US" sz="1600" dirty="0"/>
               <a:t>e.g., how does routing work?</a:t>
@@ -12565,13 +12679,20 @@
         </p:spPr>
         <p:txBody>
           <a:bodyPr>
-            <a:normAutofit fontScale="92500" lnSpcReduction="20000"/>
+            <a:normAutofit fontScale="85000" lnSpcReduction="20000"/>
           </a:bodyPr>
           <a:lstStyle/>
           <a:p>
             <a:r>
               <a:rPr lang="en-US" sz="2200" dirty="0"/>
               <a:t>Basics of ARP</a:t>
+            </a:r>
+          </a:p>
+          <a:p>
+            <a:pPr lvl="1"/>
+            <a:r>
+              <a:rPr lang="en-US" sz="1800" dirty="0"/>
+              <a:t>Why do we need ARP? How does ARP use?</a:t>
             </a:r>
           </a:p>
           <a:p>
@@ -12662,6 +12783,785 @@
     <p:extLst>
       <p:ext uri="{BB962C8B-B14F-4D97-AF65-F5344CB8AC3E}">
         <p14:creationId xmlns:p14="http://schemas.microsoft.com/office/powerpoint/2010/main" val="1336324111"/>
+      </p:ext>
+    </p:extLst>
+  </p:cSld>
+  <p:clrMapOvr>
+    <a:masterClrMapping/>
+  </p:clrMapOvr>
+  <p:timing>
+    <p:tnLst>
+      <p:par>
+        <p:cTn id="1" dur="indefinite" restart="never" nodeType="tmRoot">
+          <p:childTnLst>
+            <p:seq concurrent="1" nextAc="seek">
+              <p:cTn id="2" dur="indefinite" nodeType="mainSeq">
+                <p:childTnLst>
+                  <p:par>
+                    <p:cTn id="3" fill="hold">
+                      <p:stCondLst>
+                        <p:cond delay="indefinite"/>
+                      </p:stCondLst>
+                      <p:childTnLst>
+                        <p:par>
+                          <p:cTn id="4" fill="hold">
+                            <p:stCondLst>
+                              <p:cond delay="0"/>
+                            </p:stCondLst>
+                            <p:childTnLst>
+                              <p:par>
+                                <p:cTn id="5" presetID="1" presetClass="entr" presetSubtype="0" fill="hold" nodeType="clickEffect">
+                                  <p:stCondLst>
+                                    <p:cond delay="0"/>
+                                  </p:stCondLst>
+                                  <p:childTnLst>
+                                    <p:set>
+                                      <p:cBhvr>
+                                        <p:cTn id="6" dur="1" fill="hold">
+                                          <p:stCondLst>
+                                            <p:cond delay="0"/>
+                                          </p:stCondLst>
+                                        </p:cTn>
+                                        <p:tgtEl>
+                                          <p:spTgt spid="3">
+                                            <p:txEl>
+                                              <p:pRg st="0" end="0"/>
+                                            </p:txEl>
+                                          </p:spTgt>
+                                        </p:tgtEl>
+                                        <p:attrNameLst>
+                                          <p:attrName>style.visibility</p:attrName>
+                                        </p:attrNameLst>
+                                      </p:cBhvr>
+                                      <p:to>
+                                        <p:strVal val="visible"/>
+                                      </p:to>
+                                    </p:set>
+                                  </p:childTnLst>
+                                </p:cTn>
+                              </p:par>
+                            </p:childTnLst>
+                          </p:cTn>
+                        </p:par>
+                      </p:childTnLst>
+                    </p:cTn>
+                  </p:par>
+                  <p:par>
+                    <p:cTn id="7" fill="hold">
+                      <p:stCondLst>
+                        <p:cond delay="indefinite"/>
+                      </p:stCondLst>
+                      <p:childTnLst>
+                        <p:par>
+                          <p:cTn id="8" fill="hold">
+                            <p:stCondLst>
+                              <p:cond delay="0"/>
+                            </p:stCondLst>
+                            <p:childTnLst>
+                              <p:par>
+                                <p:cTn id="9" presetID="1" presetClass="entr" presetSubtype="0" fill="hold" nodeType="clickEffect">
+                                  <p:stCondLst>
+                                    <p:cond delay="0"/>
+                                  </p:stCondLst>
+                                  <p:childTnLst>
+                                    <p:set>
+                                      <p:cBhvr>
+                                        <p:cTn id="10" dur="1" fill="hold">
+                                          <p:stCondLst>
+                                            <p:cond delay="0"/>
+                                          </p:stCondLst>
+                                        </p:cTn>
+                                        <p:tgtEl>
+                                          <p:spTgt spid="3">
+                                            <p:txEl>
+                                              <p:pRg st="1" end="1"/>
+                                            </p:txEl>
+                                          </p:spTgt>
+                                        </p:tgtEl>
+                                        <p:attrNameLst>
+                                          <p:attrName>style.visibility</p:attrName>
+                                        </p:attrNameLst>
+                                      </p:cBhvr>
+                                      <p:to>
+                                        <p:strVal val="visible"/>
+                                      </p:to>
+                                    </p:set>
+                                  </p:childTnLst>
+                                </p:cTn>
+                              </p:par>
+                            </p:childTnLst>
+                          </p:cTn>
+                        </p:par>
+                      </p:childTnLst>
+                    </p:cTn>
+                  </p:par>
+                  <p:par>
+                    <p:cTn id="11" fill="hold">
+                      <p:stCondLst>
+                        <p:cond delay="indefinite"/>
+                      </p:stCondLst>
+                      <p:childTnLst>
+                        <p:par>
+                          <p:cTn id="12" fill="hold">
+                            <p:stCondLst>
+                              <p:cond delay="0"/>
+                            </p:stCondLst>
+                            <p:childTnLst>
+                              <p:par>
+                                <p:cTn id="13" presetID="1" presetClass="entr" presetSubtype="0" fill="hold" nodeType="clickEffect">
+                                  <p:stCondLst>
+                                    <p:cond delay="0"/>
+                                  </p:stCondLst>
+                                  <p:childTnLst>
+                                    <p:set>
+                                      <p:cBhvr>
+                                        <p:cTn id="14" dur="1" fill="hold">
+                                          <p:stCondLst>
+                                            <p:cond delay="0"/>
+                                          </p:stCondLst>
+                                        </p:cTn>
+                                        <p:tgtEl>
+                                          <p:spTgt spid="3">
+                                            <p:txEl>
+                                              <p:pRg st="3" end="3"/>
+                                            </p:txEl>
+                                          </p:spTgt>
+                                        </p:tgtEl>
+                                        <p:attrNameLst>
+                                          <p:attrName>style.visibility</p:attrName>
+                                        </p:attrNameLst>
+                                      </p:cBhvr>
+                                      <p:to>
+                                        <p:strVal val="visible"/>
+                                      </p:to>
+                                    </p:set>
+                                  </p:childTnLst>
+                                </p:cTn>
+                              </p:par>
+                            </p:childTnLst>
+                          </p:cTn>
+                        </p:par>
+                      </p:childTnLst>
+                    </p:cTn>
+                  </p:par>
+                  <p:par>
+                    <p:cTn id="15" fill="hold">
+                      <p:stCondLst>
+                        <p:cond delay="indefinite"/>
+                      </p:stCondLst>
+                      <p:childTnLst>
+                        <p:par>
+                          <p:cTn id="16" fill="hold">
+                            <p:stCondLst>
+                              <p:cond delay="0"/>
+                            </p:stCondLst>
+                            <p:childTnLst>
+                              <p:par>
+                                <p:cTn id="17" presetID="1" presetClass="entr" presetSubtype="0" fill="hold" nodeType="clickEffect">
+                                  <p:stCondLst>
+                                    <p:cond delay="0"/>
+                                  </p:stCondLst>
+                                  <p:childTnLst>
+                                    <p:set>
+                                      <p:cBhvr>
+                                        <p:cTn id="18" dur="1" fill="hold">
+                                          <p:stCondLst>
+                                            <p:cond delay="0"/>
+                                          </p:stCondLst>
+                                        </p:cTn>
+                                        <p:tgtEl>
+                                          <p:spTgt spid="3">
+                                            <p:txEl>
+                                              <p:pRg st="4" end="4"/>
+                                            </p:txEl>
+                                          </p:spTgt>
+                                        </p:tgtEl>
+                                        <p:attrNameLst>
+                                          <p:attrName>style.visibility</p:attrName>
+                                        </p:attrNameLst>
+                                      </p:cBhvr>
+                                      <p:to>
+                                        <p:strVal val="visible"/>
+                                      </p:to>
+                                    </p:set>
+                                  </p:childTnLst>
+                                </p:cTn>
+                              </p:par>
+                            </p:childTnLst>
+                          </p:cTn>
+                        </p:par>
+                      </p:childTnLst>
+                    </p:cTn>
+                  </p:par>
+                  <p:par>
+                    <p:cTn id="19" fill="hold">
+                      <p:stCondLst>
+                        <p:cond delay="indefinite"/>
+                      </p:stCondLst>
+                      <p:childTnLst>
+                        <p:par>
+                          <p:cTn id="20" fill="hold">
+                            <p:stCondLst>
+                              <p:cond delay="0"/>
+                            </p:stCondLst>
+                            <p:childTnLst>
+                              <p:par>
+                                <p:cTn id="21" presetID="1" presetClass="entr" presetSubtype="0" fill="hold" nodeType="clickEffect">
+                                  <p:stCondLst>
+                                    <p:cond delay="0"/>
+                                  </p:stCondLst>
+                                  <p:childTnLst>
+                                    <p:set>
+                                      <p:cBhvr>
+                                        <p:cTn id="22" dur="1" fill="hold">
+                                          <p:stCondLst>
+                                            <p:cond delay="0"/>
+                                          </p:stCondLst>
+                                        </p:cTn>
+                                        <p:tgtEl>
+                                          <p:spTgt spid="3">
+                                            <p:txEl>
+                                              <p:pRg st="6" end="6"/>
+                                            </p:txEl>
+                                          </p:spTgt>
+                                        </p:tgtEl>
+                                        <p:attrNameLst>
+                                          <p:attrName>style.visibility</p:attrName>
+                                        </p:attrNameLst>
+                                      </p:cBhvr>
+                                      <p:to>
+                                        <p:strVal val="visible"/>
+                                      </p:to>
+                                    </p:set>
+                                  </p:childTnLst>
+                                </p:cTn>
+                              </p:par>
+                            </p:childTnLst>
+                          </p:cTn>
+                        </p:par>
+                      </p:childTnLst>
+                    </p:cTn>
+                  </p:par>
+                  <p:par>
+                    <p:cTn id="23" fill="hold">
+                      <p:stCondLst>
+                        <p:cond delay="indefinite"/>
+                      </p:stCondLst>
+                      <p:childTnLst>
+                        <p:par>
+                          <p:cTn id="24" fill="hold">
+                            <p:stCondLst>
+                              <p:cond delay="0"/>
+                            </p:stCondLst>
+                            <p:childTnLst>
+                              <p:par>
+                                <p:cTn id="25" presetID="1" presetClass="entr" presetSubtype="0" fill="hold" nodeType="clickEffect">
+                                  <p:stCondLst>
+                                    <p:cond delay="0"/>
+                                  </p:stCondLst>
+                                  <p:childTnLst>
+                                    <p:set>
+                                      <p:cBhvr>
+                                        <p:cTn id="26" dur="1" fill="hold">
+                                          <p:stCondLst>
+                                            <p:cond delay="0"/>
+                                          </p:stCondLst>
+                                        </p:cTn>
+                                        <p:tgtEl>
+                                          <p:spTgt spid="3">
+                                            <p:txEl>
+                                              <p:pRg st="7" end="7"/>
+                                            </p:txEl>
+                                          </p:spTgt>
+                                        </p:tgtEl>
+                                        <p:attrNameLst>
+                                          <p:attrName>style.visibility</p:attrName>
+                                        </p:attrNameLst>
+                                      </p:cBhvr>
+                                      <p:to>
+                                        <p:strVal val="visible"/>
+                                      </p:to>
+                                    </p:set>
+                                  </p:childTnLst>
+                                </p:cTn>
+                              </p:par>
+                            </p:childTnLst>
+                          </p:cTn>
+                        </p:par>
+                      </p:childTnLst>
+                    </p:cTn>
+                  </p:par>
+                  <p:par>
+                    <p:cTn id="27" fill="hold">
+                      <p:stCondLst>
+                        <p:cond delay="indefinite"/>
+                      </p:stCondLst>
+                      <p:childTnLst>
+                        <p:par>
+                          <p:cTn id="28" fill="hold">
+                            <p:stCondLst>
+                              <p:cond delay="0"/>
+                            </p:stCondLst>
+                            <p:childTnLst>
+                              <p:par>
+                                <p:cTn id="29" presetID="1" presetClass="entr" presetSubtype="0" fill="hold" nodeType="clickEffect">
+                                  <p:stCondLst>
+                                    <p:cond delay="0"/>
+                                  </p:stCondLst>
+                                  <p:childTnLst>
+                                    <p:set>
+                                      <p:cBhvr>
+                                        <p:cTn id="30" dur="1" fill="hold">
+                                          <p:stCondLst>
+                                            <p:cond delay="0"/>
+                                          </p:stCondLst>
+                                        </p:cTn>
+                                        <p:tgtEl>
+                                          <p:spTgt spid="3">
+                                            <p:txEl>
+                                              <p:pRg st="8" end="8"/>
+                                            </p:txEl>
+                                          </p:spTgt>
+                                        </p:tgtEl>
+                                        <p:attrNameLst>
+                                          <p:attrName>style.visibility</p:attrName>
+                                        </p:attrNameLst>
+                                      </p:cBhvr>
+                                      <p:to>
+                                        <p:strVal val="visible"/>
+                                      </p:to>
+                                    </p:set>
+                                  </p:childTnLst>
+                                </p:cTn>
+                              </p:par>
+                            </p:childTnLst>
+                          </p:cTn>
+                        </p:par>
+                      </p:childTnLst>
+                    </p:cTn>
+                  </p:par>
+                  <p:par>
+                    <p:cTn id="31" fill="hold">
+                      <p:stCondLst>
+                        <p:cond delay="indefinite"/>
+                      </p:stCondLst>
+                      <p:childTnLst>
+                        <p:par>
+                          <p:cTn id="32" fill="hold">
+                            <p:stCondLst>
+                              <p:cond delay="0"/>
+                            </p:stCondLst>
+                            <p:childTnLst>
+                              <p:par>
+                                <p:cTn id="33" presetID="1" presetClass="entr" presetSubtype="0" fill="hold" nodeType="clickEffect">
+                                  <p:stCondLst>
+                                    <p:cond delay="0"/>
+                                  </p:stCondLst>
+                                  <p:childTnLst>
+                                    <p:set>
+                                      <p:cBhvr>
+                                        <p:cTn id="34" dur="1" fill="hold">
+                                          <p:stCondLst>
+                                            <p:cond delay="0"/>
+                                          </p:stCondLst>
+                                        </p:cTn>
+                                        <p:tgtEl>
+                                          <p:spTgt spid="3">
+                                            <p:txEl>
+                                              <p:pRg st="10" end="10"/>
+                                            </p:txEl>
+                                          </p:spTgt>
+                                        </p:tgtEl>
+                                        <p:attrNameLst>
+                                          <p:attrName>style.visibility</p:attrName>
+                                        </p:attrNameLst>
+                                      </p:cBhvr>
+                                      <p:to>
+                                        <p:strVal val="visible"/>
+                                      </p:to>
+                                    </p:set>
+                                  </p:childTnLst>
+                                </p:cTn>
+                              </p:par>
+                            </p:childTnLst>
+                          </p:cTn>
+                        </p:par>
+                      </p:childTnLst>
+                    </p:cTn>
+                  </p:par>
+                  <p:par>
+                    <p:cTn id="35" fill="hold">
+                      <p:stCondLst>
+                        <p:cond delay="indefinite"/>
+                      </p:stCondLst>
+                      <p:childTnLst>
+                        <p:par>
+                          <p:cTn id="36" fill="hold">
+                            <p:stCondLst>
+                              <p:cond delay="0"/>
+                            </p:stCondLst>
+                            <p:childTnLst>
+                              <p:par>
+                                <p:cTn id="37" presetID="1" presetClass="entr" presetSubtype="0" fill="hold" nodeType="clickEffect">
+                                  <p:stCondLst>
+                                    <p:cond delay="0"/>
+                                  </p:stCondLst>
+                                  <p:childTnLst>
+                                    <p:set>
+                                      <p:cBhvr>
+                                        <p:cTn id="38" dur="1" fill="hold">
+                                          <p:stCondLst>
+                                            <p:cond delay="0"/>
+                                          </p:stCondLst>
+                                        </p:cTn>
+                                        <p:tgtEl>
+                                          <p:spTgt spid="3">
+                                            <p:txEl>
+                                              <p:pRg st="11" end="11"/>
+                                            </p:txEl>
+                                          </p:spTgt>
+                                        </p:tgtEl>
+                                        <p:attrNameLst>
+                                          <p:attrName>style.visibility</p:attrName>
+                                        </p:attrNameLst>
+                                      </p:cBhvr>
+                                      <p:to>
+                                        <p:strVal val="visible"/>
+                                      </p:to>
+                                    </p:set>
+                                  </p:childTnLst>
+                                </p:cTn>
+                              </p:par>
+                            </p:childTnLst>
+                          </p:cTn>
+                        </p:par>
+                      </p:childTnLst>
+                    </p:cTn>
+                  </p:par>
+                  <p:par>
+                    <p:cTn id="39" fill="hold">
+                      <p:stCondLst>
+                        <p:cond delay="indefinite"/>
+                      </p:stCondLst>
+                      <p:childTnLst>
+                        <p:par>
+                          <p:cTn id="40" fill="hold">
+                            <p:stCondLst>
+                              <p:cond delay="0"/>
+                            </p:stCondLst>
+                            <p:childTnLst>
+                              <p:par>
+                                <p:cTn id="41" presetID="1" presetClass="entr" presetSubtype="0" fill="hold" nodeType="clickEffect">
+                                  <p:stCondLst>
+                                    <p:cond delay="0"/>
+                                  </p:stCondLst>
+                                  <p:childTnLst>
+                                    <p:set>
+                                      <p:cBhvr>
+                                        <p:cTn id="42" dur="1" fill="hold">
+                                          <p:stCondLst>
+                                            <p:cond delay="0"/>
+                                          </p:stCondLst>
+                                        </p:cTn>
+                                        <p:tgtEl>
+                                          <p:spTgt spid="3">
+                                            <p:txEl>
+                                              <p:pRg st="12" end="12"/>
+                                            </p:txEl>
+                                          </p:spTgt>
+                                        </p:tgtEl>
+                                        <p:attrNameLst>
+                                          <p:attrName>style.visibility</p:attrName>
+                                        </p:attrNameLst>
+                                      </p:cBhvr>
+                                      <p:to>
+                                        <p:strVal val="visible"/>
+                                      </p:to>
+                                    </p:set>
+                                  </p:childTnLst>
+                                </p:cTn>
+                              </p:par>
+                            </p:childTnLst>
+                          </p:cTn>
+                        </p:par>
+                      </p:childTnLst>
+                    </p:cTn>
+                  </p:par>
+                  <p:par>
+                    <p:cTn id="43" fill="hold">
+                      <p:stCondLst>
+                        <p:cond delay="indefinite"/>
+                      </p:stCondLst>
+                      <p:childTnLst>
+                        <p:par>
+                          <p:cTn id="44" fill="hold">
+                            <p:stCondLst>
+                              <p:cond delay="0"/>
+                            </p:stCondLst>
+                            <p:childTnLst>
+                              <p:par>
+                                <p:cTn id="45" presetID="1" presetClass="entr" presetSubtype="0" fill="hold" nodeType="clickEffect">
+                                  <p:stCondLst>
+                                    <p:cond delay="0"/>
+                                  </p:stCondLst>
+                                  <p:childTnLst>
+                                    <p:set>
+                                      <p:cBhvr>
+                                        <p:cTn id="46" dur="1" fill="hold">
+                                          <p:stCondLst>
+                                            <p:cond delay="0"/>
+                                          </p:stCondLst>
+                                        </p:cTn>
+                                        <p:tgtEl>
+                                          <p:spTgt spid="3">
+                                            <p:txEl>
+                                              <p:pRg st="13" end="13"/>
+                                            </p:txEl>
+                                          </p:spTgt>
+                                        </p:tgtEl>
+                                        <p:attrNameLst>
+                                          <p:attrName>style.visibility</p:attrName>
+                                        </p:attrNameLst>
+                                      </p:cBhvr>
+                                      <p:to>
+                                        <p:strVal val="visible"/>
+                                      </p:to>
+                                    </p:set>
+                                  </p:childTnLst>
+                                </p:cTn>
+                              </p:par>
+                            </p:childTnLst>
+                          </p:cTn>
+                        </p:par>
+                      </p:childTnLst>
+                    </p:cTn>
+                  </p:par>
+                  <p:par>
+                    <p:cTn id="47" fill="hold">
+                      <p:stCondLst>
+                        <p:cond delay="indefinite"/>
+                      </p:stCondLst>
+                      <p:childTnLst>
+                        <p:par>
+                          <p:cTn id="48" fill="hold">
+                            <p:stCondLst>
+                              <p:cond delay="0"/>
+                            </p:stCondLst>
+                            <p:childTnLst>
+                              <p:par>
+                                <p:cTn id="49" presetID="1" presetClass="entr" presetSubtype="0" fill="hold" nodeType="clickEffect">
+                                  <p:stCondLst>
+                                    <p:cond delay="0"/>
+                                  </p:stCondLst>
+                                  <p:childTnLst>
+                                    <p:set>
+                                      <p:cBhvr>
+                                        <p:cTn id="50" dur="1" fill="hold">
+                                          <p:stCondLst>
+                                            <p:cond delay="0"/>
+                                          </p:stCondLst>
+                                        </p:cTn>
+                                        <p:tgtEl>
+                                          <p:spTgt spid="3">
+                                            <p:txEl>
+                                              <p:pRg st="14" end="14"/>
+                                            </p:txEl>
+                                          </p:spTgt>
+                                        </p:tgtEl>
+                                        <p:attrNameLst>
+                                          <p:attrName>style.visibility</p:attrName>
+                                        </p:attrNameLst>
+                                      </p:cBhvr>
+                                      <p:to>
+                                        <p:strVal val="visible"/>
+                                      </p:to>
+                                    </p:set>
+                                  </p:childTnLst>
+                                </p:cTn>
+                              </p:par>
+                            </p:childTnLst>
+                          </p:cTn>
+                        </p:par>
+                      </p:childTnLst>
+                    </p:cTn>
+                  </p:par>
+                </p:childTnLst>
+              </p:cTn>
+              <p:prevCondLst>
+                <p:cond evt="onPrev" delay="0">
+                  <p:tgtEl>
+                    <p:sldTgt/>
+                  </p:tgtEl>
+                </p:cond>
+              </p:prevCondLst>
+              <p:nextCondLst>
+                <p:cond evt="onNext" delay="0">
+                  <p:tgtEl>
+                    <p:sldTgt/>
+                  </p:tgtEl>
+                </p:cond>
+              </p:nextCondLst>
+            </p:seq>
+          </p:childTnLst>
+        </p:cTn>
+      </p:par>
+    </p:tnLst>
+  </p:timing>
+</p:sld>
+</file>
+
+<file path=ppt/slides/slide22.xml><?xml version="1.0" encoding="utf-8"?>
+<p:sld xmlns:a="http://schemas.openxmlformats.org/drawingml/2006/main" xmlns:r="http://schemas.openxmlformats.org/officeDocument/2006/relationships" xmlns:p="http://schemas.openxmlformats.org/presentationml/2006/main">
+  <p:cSld>
+    <p:spTree>
+      <p:nvGrpSpPr>
+        <p:cNvPr id="1" name=""/>
+        <p:cNvGrpSpPr/>
+        <p:nvPr/>
+      </p:nvGrpSpPr>
+      <p:grpSpPr>
+        <a:xfrm>
+          <a:off x="0" y="0"/>
+          <a:ext cx="0" cy="0"/>
+          <a:chOff x="0" y="0"/>
+          <a:chExt cx="0" cy="0"/>
+        </a:xfrm>
+      </p:grpSpPr>
+      <p:sp>
+        <p:nvSpPr>
+          <p:cNvPr id="2" name="object 2"/>
+          <p:cNvSpPr txBox="1">
+            <a:spLocks noGrp="1"/>
+          </p:cNvSpPr>
+          <p:nvPr>
+            <p:ph type="title"/>
+          </p:nvPr>
+        </p:nvSpPr>
+        <p:spPr>
+          <a:xfrm>
+            <a:off x="102700" y="270875"/>
+            <a:ext cx="8520600" cy="453810"/>
+          </a:xfrm>
+          <a:prstGeom prst="rect">
+            <a:avLst/>
+          </a:prstGeom>
+        </p:spPr>
+        <p:txBody>
+          <a:bodyPr spcFirstLastPara="1" vert="horz" wrap="square" lIns="0" tIns="10001" rIns="0" bIns="0" rtlCol="0" anchor="t" anchorCtr="0">
+            <a:spAutoFit/>
+          </a:bodyPr>
+          <a:lstStyle/>
+          <a:p>
+            <a:pPr marL="127000" lvl="0" algn="l" rtl="0">
+              <a:spcBef>
+                <a:spcPts val="0"/>
+              </a:spcBef>
+              <a:spcAft>
+                <a:spcPts val="0"/>
+              </a:spcAft>
+              <a:buSzPts val="1600"/>
+            </a:pPr>
+            <a:r>
+              <a:rPr lang="en" sz="2800" dirty="0"/>
+              <a:t>Network Security (DoS)</a:t>
+            </a:r>
+          </a:p>
+        </p:txBody>
+      </p:sp>
+      <p:sp>
+        <p:nvSpPr>
+          <p:cNvPr id="3" name="Text Placeholder 2">
+            <a:extLst>
+              <a:ext uri="{FF2B5EF4-FFF2-40B4-BE49-F238E27FC236}">
+                <a16:creationId xmlns:a16="http://schemas.microsoft.com/office/drawing/2014/main" id="{9264B1C0-E356-F9C2-13AE-AFE839B78196}"/>
+              </a:ext>
+            </a:extLst>
+          </p:cNvPr>
+          <p:cNvSpPr>
+            <a:spLocks noGrp="1"/>
+          </p:cNvSpPr>
+          <p:nvPr>
+            <p:ph type="body" idx="1"/>
+          </p:nvPr>
+        </p:nvSpPr>
+        <p:spPr>
+          <a:xfrm>
+            <a:off x="198499" y="1246825"/>
+            <a:ext cx="8896435" cy="3765600"/>
+          </a:xfrm>
+        </p:spPr>
+        <p:txBody>
+          <a:bodyPr>
+            <a:normAutofit/>
+          </a:bodyPr>
+          <a:lstStyle/>
+          <a:p>
+            <a:r>
+              <a:rPr lang="en-US" sz="2200" dirty="0"/>
+              <a:t>What property does DoS break? </a:t>
+            </a:r>
+            <a:endParaRPr lang="en-US" sz="2000" dirty="0"/>
+          </a:p>
+          <a:p>
+            <a:pPr lvl="1"/>
+            <a:endParaRPr lang="en-US" sz="1600" dirty="0"/>
+          </a:p>
+          <a:p>
+            <a:r>
+              <a:rPr lang="en-US" sz="2200" dirty="0"/>
+              <a:t>Application-level DoS defenses</a:t>
+            </a:r>
+          </a:p>
+          <a:p>
+            <a:pPr lvl="1"/>
+            <a:r>
+              <a:rPr lang="en-US" sz="1800" dirty="0"/>
+              <a:t>Identify the resources being attacked / consumed</a:t>
+            </a:r>
+          </a:p>
+          <a:p>
+            <a:endParaRPr lang="en-US" sz="2000" dirty="0"/>
+          </a:p>
+          <a:p>
+            <a:r>
+              <a:rPr lang="en-US" sz="2200" dirty="0"/>
+              <a:t>Network-level DoS</a:t>
+            </a:r>
+          </a:p>
+          <a:p>
+            <a:pPr lvl="1"/>
+            <a:r>
+              <a:rPr lang="en-US" sz="1600" dirty="0"/>
+              <a:t>What is DDoS? How to launch DDoS?</a:t>
+            </a:r>
+          </a:p>
+          <a:p>
+            <a:pPr lvl="1"/>
+            <a:r>
+              <a:rPr lang="en-US" sz="1600" dirty="0"/>
+              <a:t>What is amplified DoS?</a:t>
+            </a:r>
+          </a:p>
+          <a:p>
+            <a:pPr lvl="1"/>
+            <a:r>
+              <a:rPr lang="en-US" sz="1600" dirty="0"/>
+              <a:t>How does SYN flooding work?</a:t>
+            </a:r>
+          </a:p>
+          <a:p>
+            <a:pPr lvl="1"/>
+            <a:r>
+              <a:rPr lang="en-US" sz="1600" dirty="0"/>
+              <a:t>What are SYN cookies? How can they prevent SYN flooding?</a:t>
+            </a:r>
+          </a:p>
+        </p:txBody>
+      </p:sp>
+    </p:spTree>
+    <p:extLst>
+      <p:ext uri="{BB962C8B-B14F-4D97-AF65-F5344CB8AC3E}">
+        <p14:creationId xmlns:p14="http://schemas.microsoft.com/office/powerpoint/2010/main" val="3933762963"/>
       </p:ext>
     </p:extLst>
   </p:cSld>
@@ -12998,7 +13898,7 @@
                                         <p:tgtEl>
                                           <p:spTgt spid="3">
                                             <p:txEl>
-                                              <p:pRg st="9" end="9"/>
+                                              <p:pRg st="8" end="8"/>
                                             </p:txEl>
                                           </p:spTgt>
                                         </p:tgtEl>
@@ -13047,631 +13947,7 @@
                                         <p:tgtEl>
                                           <p:spTgt spid="3">
                                             <p:txEl>
-                                              <p:pRg st="10" end="10"/>
-                                            </p:txEl>
-                                          </p:spTgt>
-                                        </p:tgtEl>
-                                        <p:attrNameLst>
-                                          <p:attrName>style.visibility</p:attrName>
-                                        </p:attrNameLst>
-                                      </p:cBhvr>
-                                      <p:to>
-                                        <p:strVal val="visible"/>
-                                      </p:to>
-                                    </p:set>
-                                  </p:childTnLst>
-                                </p:cTn>
-                              </p:par>
-                            </p:childTnLst>
-                          </p:cTn>
-                        </p:par>
-                      </p:childTnLst>
-                    </p:cTn>
-                  </p:par>
-                  <p:par>
-                    <p:cTn id="35" fill="hold">
-                      <p:stCondLst>
-                        <p:cond delay="indefinite"/>
-                      </p:stCondLst>
-                      <p:childTnLst>
-                        <p:par>
-                          <p:cTn id="36" fill="hold">
-                            <p:stCondLst>
-                              <p:cond delay="0"/>
-                            </p:stCondLst>
-                            <p:childTnLst>
-                              <p:par>
-                                <p:cTn id="37" presetID="1" presetClass="entr" presetSubtype="0" fill="hold" nodeType="clickEffect">
-                                  <p:stCondLst>
-                                    <p:cond delay="0"/>
-                                  </p:stCondLst>
-                                  <p:childTnLst>
-                                    <p:set>
-                                      <p:cBhvr>
-                                        <p:cTn id="38" dur="1" fill="hold">
-                                          <p:stCondLst>
-                                            <p:cond delay="0"/>
-                                          </p:stCondLst>
-                                        </p:cTn>
-                                        <p:tgtEl>
-                                          <p:spTgt spid="3">
-                                            <p:txEl>
-                                              <p:pRg st="11" end="11"/>
-                                            </p:txEl>
-                                          </p:spTgt>
-                                        </p:tgtEl>
-                                        <p:attrNameLst>
-                                          <p:attrName>style.visibility</p:attrName>
-                                        </p:attrNameLst>
-                                      </p:cBhvr>
-                                      <p:to>
-                                        <p:strVal val="visible"/>
-                                      </p:to>
-                                    </p:set>
-                                  </p:childTnLst>
-                                </p:cTn>
-                              </p:par>
-                            </p:childTnLst>
-                          </p:cTn>
-                        </p:par>
-                      </p:childTnLst>
-                    </p:cTn>
-                  </p:par>
-                  <p:par>
-                    <p:cTn id="39" fill="hold">
-                      <p:stCondLst>
-                        <p:cond delay="indefinite"/>
-                      </p:stCondLst>
-                      <p:childTnLst>
-                        <p:par>
-                          <p:cTn id="40" fill="hold">
-                            <p:stCondLst>
-                              <p:cond delay="0"/>
-                            </p:stCondLst>
-                            <p:childTnLst>
-                              <p:par>
-                                <p:cTn id="41" presetID="1" presetClass="entr" presetSubtype="0" fill="hold" nodeType="clickEffect">
-                                  <p:stCondLst>
-                                    <p:cond delay="0"/>
-                                  </p:stCondLst>
-                                  <p:childTnLst>
-                                    <p:set>
-                                      <p:cBhvr>
-                                        <p:cTn id="42" dur="1" fill="hold">
-                                          <p:stCondLst>
-                                            <p:cond delay="0"/>
-                                          </p:stCondLst>
-                                        </p:cTn>
-                                        <p:tgtEl>
-                                          <p:spTgt spid="3">
-                                            <p:txEl>
-                                              <p:pRg st="12" end="12"/>
-                                            </p:txEl>
-                                          </p:spTgt>
-                                        </p:tgtEl>
-                                        <p:attrNameLst>
-                                          <p:attrName>style.visibility</p:attrName>
-                                        </p:attrNameLst>
-                                      </p:cBhvr>
-                                      <p:to>
-                                        <p:strVal val="visible"/>
-                                      </p:to>
-                                    </p:set>
-                                  </p:childTnLst>
-                                </p:cTn>
-                              </p:par>
-                            </p:childTnLst>
-                          </p:cTn>
-                        </p:par>
-                      </p:childTnLst>
-                    </p:cTn>
-                  </p:par>
-                  <p:par>
-                    <p:cTn id="43" fill="hold">
-                      <p:stCondLst>
-                        <p:cond delay="indefinite"/>
-                      </p:stCondLst>
-                      <p:childTnLst>
-                        <p:par>
-                          <p:cTn id="44" fill="hold">
-                            <p:stCondLst>
-                              <p:cond delay="0"/>
-                            </p:stCondLst>
-                            <p:childTnLst>
-                              <p:par>
-                                <p:cTn id="45" presetID="1" presetClass="entr" presetSubtype="0" fill="hold" nodeType="clickEffect">
-                                  <p:stCondLst>
-                                    <p:cond delay="0"/>
-                                  </p:stCondLst>
-                                  <p:childTnLst>
-                                    <p:set>
-                                      <p:cBhvr>
-                                        <p:cTn id="46" dur="1" fill="hold">
-                                          <p:stCondLst>
-                                            <p:cond delay="0"/>
-                                          </p:stCondLst>
-                                        </p:cTn>
-                                        <p:tgtEl>
-                                          <p:spTgt spid="3">
-                                            <p:txEl>
-                                              <p:pRg st="13" end="13"/>
-                                            </p:txEl>
-                                          </p:spTgt>
-                                        </p:tgtEl>
-                                        <p:attrNameLst>
-                                          <p:attrName>style.visibility</p:attrName>
-                                        </p:attrNameLst>
-                                      </p:cBhvr>
-                                      <p:to>
-                                        <p:strVal val="visible"/>
-                                      </p:to>
-                                    </p:set>
-                                  </p:childTnLst>
-                                </p:cTn>
-                              </p:par>
-                            </p:childTnLst>
-                          </p:cTn>
-                        </p:par>
-                      </p:childTnLst>
-                    </p:cTn>
-                  </p:par>
-                </p:childTnLst>
-              </p:cTn>
-              <p:prevCondLst>
-                <p:cond evt="onPrev" delay="0">
-                  <p:tgtEl>
-                    <p:sldTgt/>
-                  </p:tgtEl>
-                </p:cond>
-              </p:prevCondLst>
-              <p:nextCondLst>
-                <p:cond evt="onNext" delay="0">
-                  <p:tgtEl>
-                    <p:sldTgt/>
-                  </p:tgtEl>
-                </p:cond>
-              </p:nextCondLst>
-            </p:seq>
-          </p:childTnLst>
-        </p:cTn>
-      </p:par>
-    </p:tnLst>
-  </p:timing>
-</p:sld>
-</file>
-
-<file path=ppt/slides/slide22.xml><?xml version="1.0" encoding="utf-8"?>
-<p:sld xmlns:a="http://schemas.openxmlformats.org/drawingml/2006/main" xmlns:r="http://schemas.openxmlformats.org/officeDocument/2006/relationships" xmlns:p="http://schemas.openxmlformats.org/presentationml/2006/main">
-  <p:cSld>
-    <p:spTree>
-      <p:nvGrpSpPr>
-        <p:cNvPr id="1" name=""/>
-        <p:cNvGrpSpPr/>
-        <p:nvPr/>
-      </p:nvGrpSpPr>
-      <p:grpSpPr>
-        <a:xfrm>
-          <a:off x="0" y="0"/>
-          <a:ext cx="0" cy="0"/>
-          <a:chOff x="0" y="0"/>
-          <a:chExt cx="0" cy="0"/>
-        </a:xfrm>
-      </p:grpSpPr>
-      <p:sp>
-        <p:nvSpPr>
-          <p:cNvPr id="2" name="object 2"/>
-          <p:cNvSpPr txBox="1">
-            <a:spLocks noGrp="1"/>
-          </p:cNvSpPr>
-          <p:nvPr>
-            <p:ph type="title"/>
-          </p:nvPr>
-        </p:nvSpPr>
-        <p:spPr>
-          <a:xfrm>
-            <a:off x="102700" y="270875"/>
-            <a:ext cx="8520600" cy="453810"/>
-          </a:xfrm>
-          <a:prstGeom prst="rect">
-            <a:avLst/>
-          </a:prstGeom>
-        </p:spPr>
-        <p:txBody>
-          <a:bodyPr spcFirstLastPara="1" vert="horz" wrap="square" lIns="0" tIns="10001" rIns="0" bIns="0" rtlCol="0" anchor="t" anchorCtr="0">
-            <a:spAutoFit/>
-          </a:bodyPr>
-          <a:lstStyle/>
-          <a:p>
-            <a:pPr marL="127000" lvl="0" algn="l" rtl="0">
-              <a:spcBef>
-                <a:spcPts val="0"/>
-              </a:spcBef>
-              <a:spcAft>
-                <a:spcPts val="0"/>
-              </a:spcAft>
-              <a:buSzPts val="1600"/>
-            </a:pPr>
-            <a:r>
-              <a:rPr lang="en" sz="2800" dirty="0"/>
-              <a:t>Network Security (DoS)</a:t>
-            </a:r>
-          </a:p>
-        </p:txBody>
-      </p:sp>
-      <p:sp>
-        <p:nvSpPr>
-          <p:cNvPr id="3" name="Text Placeholder 2">
-            <a:extLst>
-              <a:ext uri="{FF2B5EF4-FFF2-40B4-BE49-F238E27FC236}">
-                <a16:creationId xmlns:a16="http://schemas.microsoft.com/office/drawing/2014/main" id="{9264B1C0-E356-F9C2-13AE-AFE839B78196}"/>
-              </a:ext>
-            </a:extLst>
-          </p:cNvPr>
-          <p:cNvSpPr>
-            <a:spLocks noGrp="1"/>
-          </p:cNvSpPr>
-          <p:nvPr>
-            <p:ph type="body" idx="1"/>
-          </p:nvPr>
-        </p:nvSpPr>
-        <p:spPr>
-          <a:xfrm>
-            <a:off x="198499" y="1246825"/>
-            <a:ext cx="8896435" cy="3765600"/>
-          </a:xfrm>
-        </p:spPr>
-        <p:txBody>
-          <a:bodyPr>
-            <a:normAutofit/>
-          </a:bodyPr>
-          <a:lstStyle/>
-          <a:p>
-            <a:r>
-              <a:rPr lang="en-US" sz="2200" dirty="0"/>
-              <a:t>What property does DoS break? </a:t>
-            </a:r>
-          </a:p>
-          <a:p>
-            <a:endParaRPr lang="en-US" sz="2000" dirty="0"/>
-          </a:p>
-          <a:p>
-            <a:r>
-              <a:rPr lang="en-US" sz="2200" dirty="0"/>
-              <a:t>Identify the resources being attacked / consumed</a:t>
-            </a:r>
-            <a:endParaRPr lang="en-US" sz="1200" dirty="0"/>
-          </a:p>
-          <a:p>
-            <a:pPr lvl="1"/>
-            <a:endParaRPr lang="en-US" sz="1600" dirty="0"/>
-          </a:p>
-          <a:p>
-            <a:r>
-              <a:rPr lang="en-US" sz="2200" dirty="0"/>
-              <a:t>Application-level DoS defenses</a:t>
-            </a:r>
-          </a:p>
-          <a:p>
-            <a:endParaRPr lang="en-US" sz="2000" dirty="0"/>
-          </a:p>
-          <a:p>
-            <a:r>
-              <a:rPr lang="en-US" sz="2200" dirty="0"/>
-              <a:t>Network-level DoS</a:t>
-            </a:r>
-          </a:p>
-          <a:p>
-            <a:pPr lvl="1"/>
-            <a:r>
-              <a:rPr lang="en-US" sz="1600" dirty="0"/>
-              <a:t>What is DDoS? How to launch DDoS?</a:t>
-            </a:r>
-          </a:p>
-          <a:p>
-            <a:pPr lvl="1"/>
-            <a:r>
-              <a:rPr lang="en-US" sz="1600" dirty="0"/>
-              <a:t>What is amplified DoS?</a:t>
-            </a:r>
-          </a:p>
-          <a:p>
-            <a:pPr lvl="1"/>
-            <a:endParaRPr lang="en-US" sz="1600" dirty="0"/>
-          </a:p>
-        </p:txBody>
-      </p:sp>
-    </p:spTree>
-    <p:extLst>
-      <p:ext uri="{BB962C8B-B14F-4D97-AF65-F5344CB8AC3E}">
-        <p14:creationId xmlns:p14="http://schemas.microsoft.com/office/powerpoint/2010/main" val="3194201440"/>
-      </p:ext>
-    </p:extLst>
-  </p:cSld>
-  <p:clrMapOvr>
-    <a:masterClrMapping/>
-  </p:clrMapOvr>
-  <p:timing>
-    <p:tnLst>
-      <p:par>
-        <p:cTn id="1" dur="indefinite" restart="never" nodeType="tmRoot">
-          <p:childTnLst>
-            <p:seq concurrent="1" nextAc="seek">
-              <p:cTn id="2" dur="indefinite" nodeType="mainSeq">
-                <p:childTnLst>
-                  <p:par>
-                    <p:cTn id="3" fill="hold">
-                      <p:stCondLst>
-                        <p:cond delay="indefinite"/>
-                      </p:stCondLst>
-                      <p:childTnLst>
-                        <p:par>
-                          <p:cTn id="4" fill="hold">
-                            <p:stCondLst>
-                              <p:cond delay="0"/>
-                            </p:stCondLst>
-                            <p:childTnLst>
-                              <p:par>
-                                <p:cTn id="5" presetID="1" presetClass="entr" presetSubtype="0" fill="hold" nodeType="clickEffect">
-                                  <p:stCondLst>
-                                    <p:cond delay="0"/>
-                                  </p:stCondLst>
-                                  <p:childTnLst>
-                                    <p:set>
-                                      <p:cBhvr>
-                                        <p:cTn id="6" dur="1" fill="hold">
-                                          <p:stCondLst>
-                                            <p:cond delay="0"/>
-                                          </p:stCondLst>
-                                        </p:cTn>
-                                        <p:tgtEl>
-                                          <p:spTgt spid="3">
-                                            <p:txEl>
-                                              <p:pRg st="0" end="0"/>
-                                            </p:txEl>
-                                          </p:spTgt>
-                                        </p:tgtEl>
-                                        <p:attrNameLst>
-                                          <p:attrName>style.visibility</p:attrName>
-                                        </p:attrNameLst>
-                                      </p:cBhvr>
-                                      <p:to>
-                                        <p:strVal val="visible"/>
-                                      </p:to>
-                                    </p:set>
-                                  </p:childTnLst>
-                                </p:cTn>
-                              </p:par>
-                            </p:childTnLst>
-                          </p:cTn>
-                        </p:par>
-                      </p:childTnLst>
-                    </p:cTn>
-                  </p:par>
-                  <p:par>
-                    <p:cTn id="7" fill="hold">
-                      <p:stCondLst>
-                        <p:cond delay="indefinite"/>
-                      </p:stCondLst>
-                      <p:childTnLst>
-                        <p:par>
-                          <p:cTn id="8" fill="hold">
-                            <p:stCondLst>
-                              <p:cond delay="0"/>
-                            </p:stCondLst>
-                            <p:childTnLst>
-                              <p:par>
-                                <p:cTn id="9" presetID="1" presetClass="entr" presetSubtype="0" fill="hold" nodeType="clickEffect">
-                                  <p:stCondLst>
-                                    <p:cond delay="0"/>
-                                  </p:stCondLst>
-                                  <p:childTnLst>
-                                    <p:set>
-                                      <p:cBhvr>
-                                        <p:cTn id="10" dur="1" fill="hold">
-                                          <p:stCondLst>
-                                            <p:cond delay="0"/>
-                                          </p:stCondLst>
-                                        </p:cTn>
-                                        <p:tgtEl>
-                                          <p:spTgt spid="3">
-                                            <p:txEl>
-                                              <p:pRg st="2" end="2"/>
-                                            </p:txEl>
-                                          </p:spTgt>
-                                        </p:tgtEl>
-                                        <p:attrNameLst>
-                                          <p:attrName>style.visibility</p:attrName>
-                                        </p:attrNameLst>
-                                      </p:cBhvr>
-                                      <p:to>
-                                        <p:strVal val="visible"/>
-                                      </p:to>
-                                    </p:set>
-                                  </p:childTnLst>
-                                </p:cTn>
-                              </p:par>
-                            </p:childTnLst>
-                          </p:cTn>
-                        </p:par>
-                      </p:childTnLst>
-                    </p:cTn>
-                  </p:par>
-                  <p:par>
-                    <p:cTn id="11" fill="hold">
-                      <p:stCondLst>
-                        <p:cond delay="indefinite"/>
-                      </p:stCondLst>
-                      <p:childTnLst>
-                        <p:par>
-                          <p:cTn id="12" fill="hold">
-                            <p:stCondLst>
-                              <p:cond delay="0"/>
-                            </p:stCondLst>
-                            <p:childTnLst>
-                              <p:par>
-                                <p:cTn id="13" presetID="1" presetClass="entr" presetSubtype="0" fill="hold" nodeType="clickEffect">
-                                  <p:stCondLst>
-                                    <p:cond delay="0"/>
-                                  </p:stCondLst>
-                                  <p:childTnLst>
-                                    <p:set>
-                                      <p:cBhvr>
-                                        <p:cTn id="14" dur="1" fill="hold">
-                                          <p:stCondLst>
-                                            <p:cond delay="0"/>
-                                          </p:stCondLst>
-                                        </p:cTn>
-                                        <p:tgtEl>
-                                          <p:spTgt spid="3">
-                                            <p:txEl>
-                                              <p:pRg st="4" end="4"/>
-                                            </p:txEl>
-                                          </p:spTgt>
-                                        </p:tgtEl>
-                                        <p:attrNameLst>
-                                          <p:attrName>style.visibility</p:attrName>
-                                        </p:attrNameLst>
-                                      </p:cBhvr>
-                                      <p:to>
-                                        <p:strVal val="visible"/>
-                                      </p:to>
-                                    </p:set>
-                                  </p:childTnLst>
-                                </p:cTn>
-                              </p:par>
-                            </p:childTnLst>
-                          </p:cTn>
-                        </p:par>
-                      </p:childTnLst>
-                    </p:cTn>
-                  </p:par>
-                  <p:par>
-                    <p:cTn id="15" fill="hold">
-                      <p:stCondLst>
-                        <p:cond delay="indefinite"/>
-                      </p:stCondLst>
-                      <p:childTnLst>
-                        <p:par>
-                          <p:cTn id="16" fill="hold">
-                            <p:stCondLst>
-                              <p:cond delay="0"/>
-                            </p:stCondLst>
-                            <p:childTnLst>
-                              <p:par>
-                                <p:cTn id="17" presetID="1" presetClass="entr" presetSubtype="0" fill="hold" nodeType="clickEffect">
-                                  <p:stCondLst>
-                                    <p:cond delay="0"/>
-                                  </p:stCondLst>
-                                  <p:childTnLst>
-                                    <p:set>
-                                      <p:cBhvr>
-                                        <p:cTn id="18" dur="1" fill="hold">
-                                          <p:stCondLst>
-                                            <p:cond delay="0"/>
-                                          </p:stCondLst>
-                                        </p:cTn>
-                                        <p:tgtEl>
-                                          <p:spTgt spid="3">
-                                            <p:txEl>
-                                              <p:pRg st="6" end="6"/>
-                                            </p:txEl>
-                                          </p:spTgt>
-                                        </p:tgtEl>
-                                        <p:attrNameLst>
-                                          <p:attrName>style.visibility</p:attrName>
-                                        </p:attrNameLst>
-                                      </p:cBhvr>
-                                      <p:to>
-                                        <p:strVal val="visible"/>
-                                      </p:to>
-                                    </p:set>
-                                  </p:childTnLst>
-                                </p:cTn>
-                              </p:par>
-                            </p:childTnLst>
-                          </p:cTn>
-                        </p:par>
-                      </p:childTnLst>
-                    </p:cTn>
-                  </p:par>
-                  <p:par>
-                    <p:cTn id="19" fill="hold">
-                      <p:stCondLst>
-                        <p:cond delay="indefinite"/>
-                      </p:stCondLst>
-                      <p:childTnLst>
-                        <p:par>
-                          <p:cTn id="20" fill="hold">
-                            <p:stCondLst>
-                              <p:cond delay="0"/>
-                            </p:stCondLst>
-                            <p:childTnLst>
-                              <p:par>
-                                <p:cTn id="21" presetID="1" presetClass="entr" presetSubtype="0" fill="hold" nodeType="clickEffect">
-                                  <p:stCondLst>
-                                    <p:cond delay="0"/>
-                                  </p:stCondLst>
-                                  <p:childTnLst>
-                                    <p:set>
-                                      <p:cBhvr>
-                                        <p:cTn id="22" dur="1" fill="hold">
-                                          <p:stCondLst>
-                                            <p:cond delay="0"/>
-                                          </p:stCondLst>
-                                        </p:cTn>
-                                        <p:tgtEl>
-                                          <p:spTgt spid="3">
-                                            <p:txEl>
-                                              <p:pRg st="7" end="7"/>
-                                            </p:txEl>
-                                          </p:spTgt>
-                                        </p:tgtEl>
-                                        <p:attrNameLst>
-                                          <p:attrName>style.visibility</p:attrName>
-                                        </p:attrNameLst>
-                                      </p:cBhvr>
-                                      <p:to>
-                                        <p:strVal val="visible"/>
-                                      </p:to>
-                                    </p:set>
-                                  </p:childTnLst>
-                                </p:cTn>
-                              </p:par>
-                            </p:childTnLst>
-                          </p:cTn>
-                        </p:par>
-                      </p:childTnLst>
-                    </p:cTn>
-                  </p:par>
-                  <p:par>
-                    <p:cTn id="23" fill="hold">
-                      <p:stCondLst>
-                        <p:cond delay="indefinite"/>
-                      </p:stCondLst>
-                      <p:childTnLst>
-                        <p:par>
-                          <p:cTn id="24" fill="hold">
-                            <p:stCondLst>
-                              <p:cond delay="0"/>
-                            </p:stCondLst>
-                            <p:childTnLst>
-                              <p:par>
-                                <p:cTn id="25" presetID="1" presetClass="entr" presetSubtype="0" fill="hold" nodeType="clickEffect">
-                                  <p:stCondLst>
-                                    <p:cond delay="0"/>
-                                  </p:stCondLst>
-                                  <p:childTnLst>
-                                    <p:set>
-                                      <p:cBhvr>
-                                        <p:cTn id="26" dur="1" fill="hold">
-                                          <p:stCondLst>
-                                            <p:cond delay="0"/>
-                                          </p:stCondLst>
-                                        </p:cTn>
-                                        <p:tgtEl>
-                                          <p:spTgt spid="3">
-                                            <p:txEl>
-                                              <p:pRg st="8" end="8"/>
+                                              <p:pRg st="9" end="9"/>
                                             </p:txEl>
                                           </p:spTgt>
                                         </p:tgtEl>
@@ -13718,591 +13994,6 @@
 </file>
 
 <file path=ppt/slides/slide23.xml><?xml version="1.0" encoding="utf-8"?>
-<p:sld xmlns:a="http://schemas.openxmlformats.org/drawingml/2006/main" xmlns:r="http://schemas.openxmlformats.org/officeDocument/2006/relationships" xmlns:p="http://schemas.openxmlformats.org/presentationml/2006/main">
-  <p:cSld>
-    <p:spTree>
-      <p:nvGrpSpPr>
-        <p:cNvPr id="1" name=""/>
-        <p:cNvGrpSpPr/>
-        <p:nvPr/>
-      </p:nvGrpSpPr>
-      <p:grpSpPr>
-        <a:xfrm>
-          <a:off x="0" y="0"/>
-          <a:ext cx="0" cy="0"/>
-          <a:chOff x="0" y="0"/>
-          <a:chExt cx="0" cy="0"/>
-        </a:xfrm>
-      </p:grpSpPr>
-      <p:sp>
-        <p:nvSpPr>
-          <p:cNvPr id="2" name="object 2"/>
-          <p:cNvSpPr txBox="1">
-            <a:spLocks noGrp="1"/>
-          </p:cNvSpPr>
-          <p:nvPr>
-            <p:ph type="title"/>
-          </p:nvPr>
-        </p:nvSpPr>
-        <p:spPr>
-          <a:xfrm>
-            <a:off x="102700" y="270875"/>
-            <a:ext cx="8520600" cy="453810"/>
-          </a:xfrm>
-          <a:prstGeom prst="rect">
-            <a:avLst/>
-          </a:prstGeom>
-        </p:spPr>
-        <p:txBody>
-          <a:bodyPr spcFirstLastPara="1" vert="horz" wrap="square" lIns="0" tIns="10001" rIns="0" bIns="0" rtlCol="0" anchor="t" anchorCtr="0">
-            <a:spAutoFit/>
-          </a:bodyPr>
-          <a:lstStyle/>
-          <a:p>
-            <a:pPr marL="127000" lvl="0" algn="l" rtl="0">
-              <a:spcBef>
-                <a:spcPts val="0"/>
-              </a:spcBef>
-              <a:spcAft>
-                <a:spcPts val="0"/>
-              </a:spcAft>
-              <a:buSzPts val="1600"/>
-            </a:pPr>
-            <a:r>
-              <a:rPr lang="en" sz="2800" dirty="0"/>
-              <a:t>Network Security (DoS)</a:t>
-            </a:r>
-          </a:p>
-        </p:txBody>
-      </p:sp>
-      <p:sp>
-        <p:nvSpPr>
-          <p:cNvPr id="3" name="Text Placeholder 2">
-            <a:extLst>
-              <a:ext uri="{FF2B5EF4-FFF2-40B4-BE49-F238E27FC236}">
-                <a16:creationId xmlns:a16="http://schemas.microsoft.com/office/drawing/2014/main" id="{9264B1C0-E356-F9C2-13AE-AFE839B78196}"/>
-              </a:ext>
-            </a:extLst>
-          </p:cNvPr>
-          <p:cNvSpPr>
-            <a:spLocks noGrp="1"/>
-          </p:cNvSpPr>
-          <p:nvPr>
-            <p:ph type="body" idx="1"/>
-          </p:nvPr>
-        </p:nvSpPr>
-        <p:spPr>
-          <a:xfrm>
-            <a:off x="198499" y="1246825"/>
-            <a:ext cx="8896435" cy="3765600"/>
-          </a:xfrm>
-        </p:spPr>
-        <p:txBody>
-          <a:bodyPr>
-            <a:normAutofit lnSpcReduction="10000"/>
-          </a:bodyPr>
-          <a:lstStyle/>
-          <a:p>
-            <a:r>
-              <a:rPr lang="en-US" sz="2200" dirty="0"/>
-              <a:t>What property does DoS break? </a:t>
-            </a:r>
-          </a:p>
-          <a:p>
-            <a:endParaRPr lang="en-US" sz="2000" dirty="0"/>
-          </a:p>
-          <a:p>
-            <a:r>
-              <a:rPr lang="en-US" sz="2200" dirty="0"/>
-              <a:t>Identify the resources being attacked / consumed</a:t>
-            </a:r>
-            <a:endParaRPr lang="en-US" sz="1200" dirty="0"/>
-          </a:p>
-          <a:p>
-            <a:pPr lvl="1"/>
-            <a:endParaRPr lang="en-US" sz="1600" dirty="0"/>
-          </a:p>
-          <a:p>
-            <a:r>
-              <a:rPr lang="en-US" sz="2200" dirty="0"/>
-              <a:t>Application-level DoS defenses</a:t>
-            </a:r>
-          </a:p>
-          <a:p>
-            <a:endParaRPr lang="en-US" sz="2000" dirty="0"/>
-          </a:p>
-          <a:p>
-            <a:r>
-              <a:rPr lang="en-US" sz="2200" dirty="0"/>
-              <a:t>Network-level DoS</a:t>
-            </a:r>
-          </a:p>
-          <a:p>
-            <a:pPr lvl="1"/>
-            <a:r>
-              <a:rPr lang="en-US" sz="1600" dirty="0"/>
-              <a:t>What is DDoS? How to launch DDoS?</a:t>
-            </a:r>
-          </a:p>
-          <a:p>
-            <a:pPr lvl="1"/>
-            <a:r>
-              <a:rPr lang="en-US" sz="1600" dirty="0"/>
-              <a:t>What is amplified DoS?</a:t>
-            </a:r>
-          </a:p>
-          <a:p>
-            <a:pPr lvl="1"/>
-            <a:r>
-              <a:rPr lang="en-US" sz="1600" dirty="0"/>
-              <a:t>How does SYN flooding work?</a:t>
-            </a:r>
-          </a:p>
-          <a:p>
-            <a:pPr lvl="1"/>
-            <a:r>
-              <a:rPr lang="en-US" sz="1600" dirty="0"/>
-              <a:t>What are SYN cookies? How can they prevent SYN flooding?</a:t>
-            </a:r>
-          </a:p>
-        </p:txBody>
-      </p:sp>
-    </p:spTree>
-    <p:extLst>
-      <p:ext uri="{BB962C8B-B14F-4D97-AF65-F5344CB8AC3E}">
-        <p14:creationId xmlns:p14="http://schemas.microsoft.com/office/powerpoint/2010/main" val="3933762963"/>
-      </p:ext>
-    </p:extLst>
-  </p:cSld>
-  <p:clrMapOvr>
-    <a:masterClrMapping/>
-  </p:clrMapOvr>
-  <p:timing>
-    <p:tnLst>
-      <p:par>
-        <p:cTn id="1" dur="indefinite" restart="never" nodeType="tmRoot">
-          <p:childTnLst>
-            <p:seq concurrent="1" nextAc="seek">
-              <p:cTn id="2" dur="indefinite" nodeType="mainSeq">
-                <p:childTnLst>
-                  <p:par>
-                    <p:cTn id="3" fill="hold">
-                      <p:stCondLst>
-                        <p:cond delay="indefinite"/>
-                      </p:stCondLst>
-                      <p:childTnLst>
-                        <p:par>
-                          <p:cTn id="4" fill="hold">
-                            <p:stCondLst>
-                              <p:cond delay="0"/>
-                            </p:stCondLst>
-                            <p:childTnLst>
-                              <p:par>
-                                <p:cTn id="5" presetID="1" presetClass="entr" presetSubtype="0" fill="hold" nodeType="clickEffect">
-                                  <p:stCondLst>
-                                    <p:cond delay="0"/>
-                                  </p:stCondLst>
-                                  <p:childTnLst>
-                                    <p:set>
-                                      <p:cBhvr>
-                                        <p:cTn id="6" dur="1" fill="hold">
-                                          <p:stCondLst>
-                                            <p:cond delay="0"/>
-                                          </p:stCondLst>
-                                        </p:cTn>
-                                        <p:tgtEl>
-                                          <p:spTgt spid="3">
-                                            <p:txEl>
-                                              <p:pRg st="0" end="0"/>
-                                            </p:txEl>
-                                          </p:spTgt>
-                                        </p:tgtEl>
-                                        <p:attrNameLst>
-                                          <p:attrName>style.visibility</p:attrName>
-                                        </p:attrNameLst>
-                                      </p:cBhvr>
-                                      <p:to>
-                                        <p:strVal val="visible"/>
-                                      </p:to>
-                                    </p:set>
-                                  </p:childTnLst>
-                                </p:cTn>
-                              </p:par>
-                            </p:childTnLst>
-                          </p:cTn>
-                        </p:par>
-                      </p:childTnLst>
-                    </p:cTn>
-                  </p:par>
-                  <p:par>
-                    <p:cTn id="7" fill="hold">
-                      <p:stCondLst>
-                        <p:cond delay="indefinite"/>
-                      </p:stCondLst>
-                      <p:childTnLst>
-                        <p:par>
-                          <p:cTn id="8" fill="hold">
-                            <p:stCondLst>
-                              <p:cond delay="0"/>
-                            </p:stCondLst>
-                            <p:childTnLst>
-                              <p:par>
-                                <p:cTn id="9" presetID="1" presetClass="entr" presetSubtype="0" fill="hold" nodeType="clickEffect">
-                                  <p:stCondLst>
-                                    <p:cond delay="0"/>
-                                  </p:stCondLst>
-                                  <p:childTnLst>
-                                    <p:set>
-                                      <p:cBhvr>
-                                        <p:cTn id="10" dur="1" fill="hold">
-                                          <p:stCondLst>
-                                            <p:cond delay="0"/>
-                                          </p:stCondLst>
-                                        </p:cTn>
-                                        <p:tgtEl>
-                                          <p:spTgt spid="3">
-                                            <p:txEl>
-                                              <p:pRg st="2" end="2"/>
-                                            </p:txEl>
-                                          </p:spTgt>
-                                        </p:tgtEl>
-                                        <p:attrNameLst>
-                                          <p:attrName>style.visibility</p:attrName>
-                                        </p:attrNameLst>
-                                      </p:cBhvr>
-                                      <p:to>
-                                        <p:strVal val="visible"/>
-                                      </p:to>
-                                    </p:set>
-                                  </p:childTnLst>
-                                </p:cTn>
-                              </p:par>
-                            </p:childTnLst>
-                          </p:cTn>
-                        </p:par>
-                      </p:childTnLst>
-                    </p:cTn>
-                  </p:par>
-                  <p:par>
-                    <p:cTn id="11" fill="hold">
-                      <p:stCondLst>
-                        <p:cond delay="indefinite"/>
-                      </p:stCondLst>
-                      <p:childTnLst>
-                        <p:par>
-                          <p:cTn id="12" fill="hold">
-                            <p:stCondLst>
-                              <p:cond delay="0"/>
-                            </p:stCondLst>
-                            <p:childTnLst>
-                              <p:par>
-                                <p:cTn id="13" presetID="1" presetClass="entr" presetSubtype="0" fill="hold" nodeType="clickEffect">
-                                  <p:stCondLst>
-                                    <p:cond delay="0"/>
-                                  </p:stCondLst>
-                                  <p:childTnLst>
-                                    <p:set>
-                                      <p:cBhvr>
-                                        <p:cTn id="14" dur="1" fill="hold">
-                                          <p:stCondLst>
-                                            <p:cond delay="0"/>
-                                          </p:stCondLst>
-                                        </p:cTn>
-                                        <p:tgtEl>
-                                          <p:spTgt spid="3">
-                                            <p:txEl>
-                                              <p:pRg st="4" end="4"/>
-                                            </p:txEl>
-                                          </p:spTgt>
-                                        </p:tgtEl>
-                                        <p:attrNameLst>
-                                          <p:attrName>style.visibility</p:attrName>
-                                        </p:attrNameLst>
-                                      </p:cBhvr>
-                                      <p:to>
-                                        <p:strVal val="visible"/>
-                                      </p:to>
-                                    </p:set>
-                                  </p:childTnLst>
-                                </p:cTn>
-                              </p:par>
-                            </p:childTnLst>
-                          </p:cTn>
-                        </p:par>
-                      </p:childTnLst>
-                    </p:cTn>
-                  </p:par>
-                  <p:par>
-                    <p:cTn id="15" fill="hold">
-                      <p:stCondLst>
-                        <p:cond delay="indefinite"/>
-                      </p:stCondLst>
-                      <p:childTnLst>
-                        <p:par>
-                          <p:cTn id="16" fill="hold">
-                            <p:stCondLst>
-                              <p:cond delay="0"/>
-                            </p:stCondLst>
-                            <p:childTnLst>
-                              <p:par>
-                                <p:cTn id="17" presetID="1" presetClass="entr" presetSubtype="0" fill="hold" nodeType="clickEffect">
-                                  <p:stCondLst>
-                                    <p:cond delay="0"/>
-                                  </p:stCondLst>
-                                  <p:childTnLst>
-                                    <p:set>
-                                      <p:cBhvr>
-                                        <p:cTn id="18" dur="1" fill="hold">
-                                          <p:stCondLst>
-                                            <p:cond delay="0"/>
-                                          </p:stCondLst>
-                                        </p:cTn>
-                                        <p:tgtEl>
-                                          <p:spTgt spid="3">
-                                            <p:txEl>
-                                              <p:pRg st="6" end="6"/>
-                                            </p:txEl>
-                                          </p:spTgt>
-                                        </p:tgtEl>
-                                        <p:attrNameLst>
-                                          <p:attrName>style.visibility</p:attrName>
-                                        </p:attrNameLst>
-                                      </p:cBhvr>
-                                      <p:to>
-                                        <p:strVal val="visible"/>
-                                      </p:to>
-                                    </p:set>
-                                  </p:childTnLst>
-                                </p:cTn>
-                              </p:par>
-                            </p:childTnLst>
-                          </p:cTn>
-                        </p:par>
-                      </p:childTnLst>
-                    </p:cTn>
-                  </p:par>
-                  <p:par>
-                    <p:cTn id="19" fill="hold">
-                      <p:stCondLst>
-                        <p:cond delay="indefinite"/>
-                      </p:stCondLst>
-                      <p:childTnLst>
-                        <p:par>
-                          <p:cTn id="20" fill="hold">
-                            <p:stCondLst>
-                              <p:cond delay="0"/>
-                            </p:stCondLst>
-                            <p:childTnLst>
-                              <p:par>
-                                <p:cTn id="21" presetID="1" presetClass="entr" presetSubtype="0" fill="hold" nodeType="clickEffect">
-                                  <p:stCondLst>
-                                    <p:cond delay="0"/>
-                                  </p:stCondLst>
-                                  <p:childTnLst>
-                                    <p:set>
-                                      <p:cBhvr>
-                                        <p:cTn id="22" dur="1" fill="hold">
-                                          <p:stCondLst>
-                                            <p:cond delay="0"/>
-                                          </p:stCondLst>
-                                        </p:cTn>
-                                        <p:tgtEl>
-                                          <p:spTgt spid="3">
-                                            <p:txEl>
-                                              <p:pRg st="7" end="7"/>
-                                            </p:txEl>
-                                          </p:spTgt>
-                                        </p:tgtEl>
-                                        <p:attrNameLst>
-                                          <p:attrName>style.visibility</p:attrName>
-                                        </p:attrNameLst>
-                                      </p:cBhvr>
-                                      <p:to>
-                                        <p:strVal val="visible"/>
-                                      </p:to>
-                                    </p:set>
-                                  </p:childTnLst>
-                                </p:cTn>
-                              </p:par>
-                            </p:childTnLst>
-                          </p:cTn>
-                        </p:par>
-                      </p:childTnLst>
-                    </p:cTn>
-                  </p:par>
-                  <p:par>
-                    <p:cTn id="23" fill="hold">
-                      <p:stCondLst>
-                        <p:cond delay="indefinite"/>
-                      </p:stCondLst>
-                      <p:childTnLst>
-                        <p:par>
-                          <p:cTn id="24" fill="hold">
-                            <p:stCondLst>
-                              <p:cond delay="0"/>
-                            </p:stCondLst>
-                            <p:childTnLst>
-                              <p:par>
-                                <p:cTn id="25" presetID="1" presetClass="entr" presetSubtype="0" fill="hold" nodeType="clickEffect">
-                                  <p:stCondLst>
-                                    <p:cond delay="0"/>
-                                  </p:stCondLst>
-                                  <p:childTnLst>
-                                    <p:set>
-                                      <p:cBhvr>
-                                        <p:cTn id="26" dur="1" fill="hold">
-                                          <p:stCondLst>
-                                            <p:cond delay="0"/>
-                                          </p:stCondLst>
-                                        </p:cTn>
-                                        <p:tgtEl>
-                                          <p:spTgt spid="3">
-                                            <p:txEl>
-                                              <p:pRg st="8" end="8"/>
-                                            </p:txEl>
-                                          </p:spTgt>
-                                        </p:tgtEl>
-                                        <p:attrNameLst>
-                                          <p:attrName>style.visibility</p:attrName>
-                                        </p:attrNameLst>
-                                      </p:cBhvr>
-                                      <p:to>
-                                        <p:strVal val="visible"/>
-                                      </p:to>
-                                    </p:set>
-                                  </p:childTnLst>
-                                </p:cTn>
-                              </p:par>
-                            </p:childTnLst>
-                          </p:cTn>
-                        </p:par>
-                      </p:childTnLst>
-                    </p:cTn>
-                  </p:par>
-                  <p:par>
-                    <p:cTn id="27" fill="hold">
-                      <p:stCondLst>
-                        <p:cond delay="indefinite"/>
-                      </p:stCondLst>
-                      <p:childTnLst>
-                        <p:par>
-                          <p:cTn id="28" fill="hold">
-                            <p:stCondLst>
-                              <p:cond delay="0"/>
-                            </p:stCondLst>
-                            <p:childTnLst>
-                              <p:par>
-                                <p:cTn id="29" presetID="1" presetClass="entr" presetSubtype="0" fill="hold" nodeType="clickEffect">
-                                  <p:stCondLst>
-                                    <p:cond delay="0"/>
-                                  </p:stCondLst>
-                                  <p:childTnLst>
-                                    <p:set>
-                                      <p:cBhvr>
-                                        <p:cTn id="30" dur="1" fill="hold">
-                                          <p:stCondLst>
-                                            <p:cond delay="0"/>
-                                          </p:stCondLst>
-                                        </p:cTn>
-                                        <p:tgtEl>
-                                          <p:spTgt spid="3">
-                                            <p:txEl>
-                                              <p:pRg st="9" end="9"/>
-                                            </p:txEl>
-                                          </p:spTgt>
-                                        </p:tgtEl>
-                                        <p:attrNameLst>
-                                          <p:attrName>style.visibility</p:attrName>
-                                        </p:attrNameLst>
-                                      </p:cBhvr>
-                                      <p:to>
-                                        <p:strVal val="visible"/>
-                                      </p:to>
-                                    </p:set>
-                                  </p:childTnLst>
-                                </p:cTn>
-                              </p:par>
-                            </p:childTnLst>
-                          </p:cTn>
-                        </p:par>
-                      </p:childTnLst>
-                    </p:cTn>
-                  </p:par>
-                  <p:par>
-                    <p:cTn id="31" fill="hold">
-                      <p:stCondLst>
-                        <p:cond delay="indefinite"/>
-                      </p:stCondLst>
-                      <p:childTnLst>
-                        <p:par>
-                          <p:cTn id="32" fill="hold">
-                            <p:stCondLst>
-                              <p:cond delay="0"/>
-                            </p:stCondLst>
-                            <p:childTnLst>
-                              <p:par>
-                                <p:cTn id="33" presetID="1" presetClass="entr" presetSubtype="0" fill="hold" nodeType="clickEffect">
-                                  <p:stCondLst>
-                                    <p:cond delay="0"/>
-                                  </p:stCondLst>
-                                  <p:childTnLst>
-                                    <p:set>
-                                      <p:cBhvr>
-                                        <p:cTn id="34" dur="1" fill="hold">
-                                          <p:stCondLst>
-                                            <p:cond delay="0"/>
-                                          </p:stCondLst>
-                                        </p:cTn>
-                                        <p:tgtEl>
-                                          <p:spTgt spid="3">
-                                            <p:txEl>
-                                              <p:pRg st="10" end="10"/>
-                                            </p:txEl>
-                                          </p:spTgt>
-                                        </p:tgtEl>
-                                        <p:attrNameLst>
-                                          <p:attrName>style.visibility</p:attrName>
-                                        </p:attrNameLst>
-                                      </p:cBhvr>
-                                      <p:to>
-                                        <p:strVal val="visible"/>
-                                      </p:to>
-                                    </p:set>
-                                  </p:childTnLst>
-                                </p:cTn>
-                              </p:par>
-                            </p:childTnLst>
-                          </p:cTn>
-                        </p:par>
-                      </p:childTnLst>
-                    </p:cTn>
-                  </p:par>
-                </p:childTnLst>
-              </p:cTn>
-              <p:prevCondLst>
-                <p:cond evt="onPrev" delay="0">
-                  <p:tgtEl>
-                    <p:sldTgt/>
-                  </p:tgtEl>
-                </p:cond>
-              </p:prevCondLst>
-              <p:nextCondLst>
-                <p:cond evt="onNext" delay="0">
-                  <p:tgtEl>
-                    <p:sldTgt/>
-                  </p:tgtEl>
-                </p:cond>
-              </p:nextCondLst>
-            </p:seq>
-          </p:childTnLst>
-        </p:cTn>
-      </p:par>
-    </p:tnLst>
-  </p:timing>
-</p:sld>
-</file>
-
-<file path=ppt/slides/slide24.xml><?xml version="1.0" encoding="utf-8"?>
 <p:sld xmlns:a="http://schemas.openxmlformats.org/drawingml/2006/main" xmlns:r="http://schemas.openxmlformats.org/officeDocument/2006/relationships" xmlns:p="http://schemas.openxmlformats.org/presentationml/2006/main">
   <p:cSld>
     <p:spTree>
@@ -15049,7 +14740,7 @@
 </p:sld>
 </file>
 
-<file path=ppt/slides/slide25.xml><?xml version="1.0" encoding="utf-8"?>
+<file path=ppt/slides/slide24.xml><?xml version="1.0" encoding="utf-8"?>
 <p:sld xmlns:a="http://schemas.openxmlformats.org/drawingml/2006/main" xmlns:r="http://schemas.openxmlformats.org/officeDocument/2006/relationships" xmlns:p="http://schemas.openxmlformats.org/presentationml/2006/main">
   <p:cSld>
     <p:spTree>
@@ -15177,7 +14868,7 @@
             <a:pPr lvl="2"/>
             <a:r>
               <a:rPr lang="en-US" sz="1300" dirty="0"/>
-              <a:t>What are inconsistent interpretations?</a:t>
+              <a:t>What cause inconsistent interpretations?</a:t>
             </a:r>
           </a:p>
           <a:p>
@@ -15862,7 +15553,7 @@
 </p:sld>
 </file>
 
-<file path=ppt/slides/slide26.xml><?xml version="1.0" encoding="utf-8"?>
+<file path=ppt/slides/slide25.xml><?xml version="1.0" encoding="utf-8"?>
 <p:sld xmlns:a="http://schemas.openxmlformats.org/drawingml/2006/main" xmlns:r="http://schemas.openxmlformats.org/officeDocument/2006/relationships" xmlns:p="http://schemas.openxmlformats.org/presentationml/2006/main">
   <p:cSld>
     <p:spTree>
@@ -16019,6 +15710,497 @@
     <p:extLst>
       <p:ext uri="{BB962C8B-B14F-4D97-AF65-F5344CB8AC3E}">
         <p14:creationId xmlns:p14="http://schemas.microsoft.com/office/powerpoint/2010/main" val="111995447"/>
+      </p:ext>
+    </p:extLst>
+  </p:cSld>
+  <p:clrMapOvr>
+    <a:masterClrMapping/>
+  </p:clrMapOvr>
+  <p:timing>
+    <p:tnLst>
+      <p:par>
+        <p:cTn id="1" dur="indefinite" restart="never" nodeType="tmRoot">
+          <p:childTnLst>
+            <p:seq concurrent="1" nextAc="seek">
+              <p:cTn id="2" dur="indefinite" nodeType="mainSeq">
+                <p:childTnLst>
+                  <p:par>
+                    <p:cTn id="3" fill="hold">
+                      <p:stCondLst>
+                        <p:cond delay="indefinite"/>
+                      </p:stCondLst>
+                      <p:childTnLst>
+                        <p:par>
+                          <p:cTn id="4" fill="hold">
+                            <p:stCondLst>
+                              <p:cond delay="0"/>
+                            </p:stCondLst>
+                            <p:childTnLst>
+                              <p:par>
+                                <p:cTn id="5" presetID="1" presetClass="entr" presetSubtype="0" fill="hold" nodeType="clickEffect">
+                                  <p:stCondLst>
+                                    <p:cond delay="0"/>
+                                  </p:stCondLst>
+                                  <p:childTnLst>
+                                    <p:set>
+                                      <p:cBhvr>
+                                        <p:cTn id="6" dur="1" fill="hold">
+                                          <p:stCondLst>
+                                            <p:cond delay="0"/>
+                                          </p:stCondLst>
+                                        </p:cTn>
+                                        <p:tgtEl>
+                                          <p:spTgt spid="3">
+                                            <p:txEl>
+                                              <p:pRg st="0" end="0"/>
+                                            </p:txEl>
+                                          </p:spTgt>
+                                        </p:tgtEl>
+                                        <p:attrNameLst>
+                                          <p:attrName>style.visibility</p:attrName>
+                                        </p:attrNameLst>
+                                      </p:cBhvr>
+                                      <p:to>
+                                        <p:strVal val="visible"/>
+                                      </p:to>
+                                    </p:set>
+                                  </p:childTnLst>
+                                </p:cTn>
+                              </p:par>
+                            </p:childTnLst>
+                          </p:cTn>
+                        </p:par>
+                      </p:childTnLst>
+                    </p:cTn>
+                  </p:par>
+                  <p:par>
+                    <p:cTn id="7" fill="hold">
+                      <p:stCondLst>
+                        <p:cond delay="indefinite"/>
+                      </p:stCondLst>
+                      <p:childTnLst>
+                        <p:par>
+                          <p:cTn id="8" fill="hold">
+                            <p:stCondLst>
+                              <p:cond delay="0"/>
+                            </p:stCondLst>
+                            <p:childTnLst>
+                              <p:par>
+                                <p:cTn id="9" presetID="1" presetClass="entr" presetSubtype="0" fill="hold" nodeType="clickEffect">
+                                  <p:stCondLst>
+                                    <p:cond delay="0"/>
+                                  </p:stCondLst>
+                                  <p:childTnLst>
+                                    <p:set>
+                                      <p:cBhvr>
+                                        <p:cTn id="10" dur="1" fill="hold">
+                                          <p:stCondLst>
+                                            <p:cond delay="0"/>
+                                          </p:stCondLst>
+                                        </p:cTn>
+                                        <p:tgtEl>
+                                          <p:spTgt spid="3">
+                                            <p:txEl>
+                                              <p:pRg st="1" end="1"/>
+                                            </p:txEl>
+                                          </p:spTgt>
+                                        </p:tgtEl>
+                                        <p:attrNameLst>
+                                          <p:attrName>style.visibility</p:attrName>
+                                        </p:attrNameLst>
+                                      </p:cBhvr>
+                                      <p:to>
+                                        <p:strVal val="visible"/>
+                                      </p:to>
+                                    </p:set>
+                                  </p:childTnLst>
+                                </p:cTn>
+                              </p:par>
+                            </p:childTnLst>
+                          </p:cTn>
+                        </p:par>
+                      </p:childTnLst>
+                    </p:cTn>
+                  </p:par>
+                  <p:par>
+                    <p:cTn id="11" fill="hold">
+                      <p:stCondLst>
+                        <p:cond delay="indefinite"/>
+                      </p:stCondLst>
+                      <p:childTnLst>
+                        <p:par>
+                          <p:cTn id="12" fill="hold">
+                            <p:stCondLst>
+                              <p:cond delay="0"/>
+                            </p:stCondLst>
+                            <p:childTnLst>
+                              <p:par>
+                                <p:cTn id="13" presetID="1" presetClass="entr" presetSubtype="0" fill="hold" nodeType="clickEffect">
+                                  <p:stCondLst>
+                                    <p:cond delay="0"/>
+                                  </p:stCondLst>
+                                  <p:childTnLst>
+                                    <p:set>
+                                      <p:cBhvr>
+                                        <p:cTn id="14" dur="1" fill="hold">
+                                          <p:stCondLst>
+                                            <p:cond delay="0"/>
+                                          </p:stCondLst>
+                                        </p:cTn>
+                                        <p:tgtEl>
+                                          <p:spTgt spid="3">
+                                            <p:txEl>
+                                              <p:pRg st="2" end="2"/>
+                                            </p:txEl>
+                                          </p:spTgt>
+                                        </p:tgtEl>
+                                        <p:attrNameLst>
+                                          <p:attrName>style.visibility</p:attrName>
+                                        </p:attrNameLst>
+                                      </p:cBhvr>
+                                      <p:to>
+                                        <p:strVal val="visible"/>
+                                      </p:to>
+                                    </p:set>
+                                  </p:childTnLst>
+                                </p:cTn>
+                              </p:par>
+                            </p:childTnLst>
+                          </p:cTn>
+                        </p:par>
+                      </p:childTnLst>
+                    </p:cTn>
+                  </p:par>
+                  <p:par>
+                    <p:cTn id="15" fill="hold">
+                      <p:stCondLst>
+                        <p:cond delay="indefinite"/>
+                      </p:stCondLst>
+                      <p:childTnLst>
+                        <p:par>
+                          <p:cTn id="16" fill="hold">
+                            <p:stCondLst>
+                              <p:cond delay="0"/>
+                            </p:stCondLst>
+                            <p:childTnLst>
+                              <p:par>
+                                <p:cTn id="17" presetID="1" presetClass="entr" presetSubtype="0" fill="hold" nodeType="clickEffect">
+                                  <p:stCondLst>
+                                    <p:cond delay="0"/>
+                                  </p:stCondLst>
+                                  <p:childTnLst>
+                                    <p:set>
+                                      <p:cBhvr>
+                                        <p:cTn id="18" dur="1" fill="hold">
+                                          <p:stCondLst>
+                                            <p:cond delay="0"/>
+                                          </p:stCondLst>
+                                        </p:cTn>
+                                        <p:tgtEl>
+                                          <p:spTgt spid="3">
+                                            <p:txEl>
+                                              <p:pRg st="3" end="3"/>
+                                            </p:txEl>
+                                          </p:spTgt>
+                                        </p:tgtEl>
+                                        <p:attrNameLst>
+                                          <p:attrName>style.visibility</p:attrName>
+                                        </p:attrNameLst>
+                                      </p:cBhvr>
+                                      <p:to>
+                                        <p:strVal val="visible"/>
+                                      </p:to>
+                                    </p:set>
+                                  </p:childTnLst>
+                                </p:cTn>
+                              </p:par>
+                            </p:childTnLst>
+                          </p:cTn>
+                        </p:par>
+                      </p:childTnLst>
+                    </p:cTn>
+                  </p:par>
+                  <p:par>
+                    <p:cTn id="19" fill="hold">
+                      <p:stCondLst>
+                        <p:cond delay="indefinite"/>
+                      </p:stCondLst>
+                      <p:childTnLst>
+                        <p:par>
+                          <p:cTn id="20" fill="hold">
+                            <p:stCondLst>
+                              <p:cond delay="0"/>
+                            </p:stCondLst>
+                            <p:childTnLst>
+                              <p:par>
+                                <p:cTn id="21" presetID="1" presetClass="entr" presetSubtype="0" fill="hold" nodeType="clickEffect">
+                                  <p:stCondLst>
+                                    <p:cond delay="0"/>
+                                  </p:stCondLst>
+                                  <p:childTnLst>
+                                    <p:set>
+                                      <p:cBhvr>
+                                        <p:cTn id="22" dur="1" fill="hold">
+                                          <p:stCondLst>
+                                            <p:cond delay="0"/>
+                                          </p:stCondLst>
+                                        </p:cTn>
+                                        <p:tgtEl>
+                                          <p:spTgt spid="3">
+                                            <p:txEl>
+                                              <p:pRg st="5" end="5"/>
+                                            </p:txEl>
+                                          </p:spTgt>
+                                        </p:tgtEl>
+                                        <p:attrNameLst>
+                                          <p:attrName>style.visibility</p:attrName>
+                                        </p:attrNameLst>
+                                      </p:cBhvr>
+                                      <p:to>
+                                        <p:strVal val="visible"/>
+                                      </p:to>
+                                    </p:set>
+                                  </p:childTnLst>
+                                </p:cTn>
+                              </p:par>
+                            </p:childTnLst>
+                          </p:cTn>
+                        </p:par>
+                      </p:childTnLst>
+                    </p:cTn>
+                  </p:par>
+                  <p:par>
+                    <p:cTn id="23" fill="hold">
+                      <p:stCondLst>
+                        <p:cond delay="indefinite"/>
+                      </p:stCondLst>
+                      <p:childTnLst>
+                        <p:par>
+                          <p:cTn id="24" fill="hold">
+                            <p:stCondLst>
+                              <p:cond delay="0"/>
+                            </p:stCondLst>
+                            <p:childTnLst>
+                              <p:par>
+                                <p:cTn id="25" presetID="1" presetClass="entr" presetSubtype="0" fill="hold" nodeType="clickEffect">
+                                  <p:stCondLst>
+                                    <p:cond delay="0"/>
+                                  </p:stCondLst>
+                                  <p:childTnLst>
+                                    <p:set>
+                                      <p:cBhvr>
+                                        <p:cTn id="26" dur="1" fill="hold">
+                                          <p:stCondLst>
+                                            <p:cond delay="0"/>
+                                          </p:stCondLst>
+                                        </p:cTn>
+                                        <p:tgtEl>
+                                          <p:spTgt spid="3">
+                                            <p:txEl>
+                                              <p:pRg st="6" end="6"/>
+                                            </p:txEl>
+                                          </p:spTgt>
+                                        </p:tgtEl>
+                                        <p:attrNameLst>
+                                          <p:attrName>style.visibility</p:attrName>
+                                        </p:attrNameLst>
+                                      </p:cBhvr>
+                                      <p:to>
+                                        <p:strVal val="visible"/>
+                                      </p:to>
+                                    </p:set>
+                                  </p:childTnLst>
+                                </p:cTn>
+                              </p:par>
+                            </p:childTnLst>
+                          </p:cTn>
+                        </p:par>
+                      </p:childTnLst>
+                    </p:cTn>
+                  </p:par>
+                  <p:par>
+                    <p:cTn id="27" fill="hold">
+                      <p:stCondLst>
+                        <p:cond delay="indefinite"/>
+                      </p:stCondLst>
+                      <p:childTnLst>
+                        <p:par>
+                          <p:cTn id="28" fill="hold">
+                            <p:stCondLst>
+                              <p:cond delay="0"/>
+                            </p:stCondLst>
+                            <p:childTnLst>
+                              <p:par>
+                                <p:cTn id="29" presetID="1" presetClass="entr" presetSubtype="0" fill="hold" nodeType="clickEffect">
+                                  <p:stCondLst>
+                                    <p:cond delay="0"/>
+                                  </p:stCondLst>
+                                  <p:childTnLst>
+                                    <p:set>
+                                      <p:cBhvr>
+                                        <p:cTn id="30" dur="1" fill="hold">
+                                          <p:stCondLst>
+                                            <p:cond delay="0"/>
+                                          </p:stCondLst>
+                                        </p:cTn>
+                                        <p:tgtEl>
+                                          <p:spTgt spid="3">
+                                            <p:txEl>
+                                              <p:pRg st="7" end="7"/>
+                                            </p:txEl>
+                                          </p:spTgt>
+                                        </p:tgtEl>
+                                        <p:attrNameLst>
+                                          <p:attrName>style.visibility</p:attrName>
+                                        </p:attrNameLst>
+                                      </p:cBhvr>
+                                      <p:to>
+                                        <p:strVal val="visible"/>
+                                      </p:to>
+                                    </p:set>
+                                  </p:childTnLst>
+                                </p:cTn>
+                              </p:par>
+                            </p:childTnLst>
+                          </p:cTn>
+                        </p:par>
+                      </p:childTnLst>
+                    </p:cTn>
+                  </p:par>
+                  <p:par>
+                    <p:cTn id="31" fill="hold">
+                      <p:stCondLst>
+                        <p:cond delay="indefinite"/>
+                      </p:stCondLst>
+                      <p:childTnLst>
+                        <p:par>
+                          <p:cTn id="32" fill="hold">
+                            <p:stCondLst>
+                              <p:cond delay="0"/>
+                            </p:stCondLst>
+                            <p:childTnLst>
+                              <p:par>
+                                <p:cTn id="33" presetID="1" presetClass="entr" presetSubtype="0" fill="hold" nodeType="clickEffect">
+                                  <p:stCondLst>
+                                    <p:cond delay="0"/>
+                                  </p:stCondLst>
+                                  <p:childTnLst>
+                                    <p:set>
+                                      <p:cBhvr>
+                                        <p:cTn id="34" dur="1" fill="hold">
+                                          <p:stCondLst>
+                                            <p:cond delay="0"/>
+                                          </p:stCondLst>
+                                        </p:cTn>
+                                        <p:tgtEl>
+                                          <p:spTgt spid="3">
+                                            <p:txEl>
+                                              <p:pRg st="8" end="8"/>
+                                            </p:txEl>
+                                          </p:spTgt>
+                                        </p:tgtEl>
+                                        <p:attrNameLst>
+                                          <p:attrName>style.visibility</p:attrName>
+                                        </p:attrNameLst>
+                                      </p:cBhvr>
+                                      <p:to>
+                                        <p:strVal val="visible"/>
+                                      </p:to>
+                                    </p:set>
+                                  </p:childTnLst>
+                                </p:cTn>
+                              </p:par>
+                            </p:childTnLst>
+                          </p:cTn>
+                        </p:par>
+                      </p:childTnLst>
+                    </p:cTn>
+                  </p:par>
+                </p:childTnLst>
+              </p:cTn>
+              <p:prevCondLst>
+                <p:cond evt="onPrev" delay="0">
+                  <p:tgtEl>
+                    <p:sldTgt/>
+                  </p:tgtEl>
+                </p:cond>
+              </p:prevCondLst>
+              <p:nextCondLst>
+                <p:cond evt="onNext" delay="0">
+                  <p:tgtEl>
+                    <p:sldTgt/>
+                  </p:tgtEl>
+                </p:cond>
+              </p:nextCondLst>
+            </p:seq>
+          </p:childTnLst>
+        </p:cTn>
+      </p:par>
+    </p:tnLst>
+  </p:timing>
+</p:sld>
+</file>
+
+<file path=ppt/slides/slide26.xml><?xml version="1.0" encoding="utf-8"?>
+<p:sld xmlns:a="http://schemas.openxmlformats.org/drawingml/2006/main" xmlns:r="http://schemas.openxmlformats.org/officeDocument/2006/relationships" xmlns:p="http://schemas.openxmlformats.org/presentationml/2006/main">
+  <p:cSld>
+    <p:spTree>
+      <p:nvGrpSpPr>
+        <p:cNvPr id="1" name=""/>
+        <p:cNvGrpSpPr/>
+        <p:nvPr/>
+      </p:nvGrpSpPr>
+      <p:grpSpPr>
+        <a:xfrm>
+          <a:off x="0" y="0"/>
+          <a:ext cx="0" cy="0"/>
+          <a:chOff x="0" y="0"/>
+          <a:chExt cx="0" cy="0"/>
+        </a:xfrm>
+      </p:grpSpPr>
+      <p:sp>
+        <p:nvSpPr>
+          <p:cNvPr id="3" name="Text Placeholder 2">
+            <a:extLst>
+              <a:ext uri="{FF2B5EF4-FFF2-40B4-BE49-F238E27FC236}">
+                <a16:creationId xmlns:a16="http://schemas.microsoft.com/office/drawing/2014/main" id="{9264B1C0-E356-F9C2-13AE-AFE839B78196}"/>
+              </a:ext>
+            </a:extLst>
+          </p:cNvPr>
+          <p:cNvSpPr>
+            <a:spLocks noGrp="1"/>
+          </p:cNvSpPr>
+          <p:nvPr>
+            <p:ph type="body" idx="1"/>
+          </p:nvPr>
+        </p:nvSpPr>
+        <p:spPr>
+          <a:xfrm>
+            <a:off x="3506329" y="2231179"/>
+            <a:ext cx="1955087" cy="921752"/>
+          </a:xfrm>
+        </p:spPr>
+        <p:txBody>
+          <a:bodyPr>
+            <a:noAutofit/>
+          </a:bodyPr>
+          <a:lstStyle/>
+          <a:p>
+            <a:pPr marL="114300" lvl="0" indent="0">
+              <a:buNone/>
+            </a:pPr>
+            <a:r>
+              <a:rPr lang="en-US" sz="4400" dirty="0"/>
+              <a:t>Q &amp; A</a:t>
+            </a:r>
+            <a:endParaRPr lang="en-US" sz="3600" dirty="0"/>
+          </a:p>
+        </p:txBody>
+      </p:sp>
+    </p:spTree>
+    <p:extLst>
+      <p:ext uri="{BB962C8B-B14F-4D97-AF65-F5344CB8AC3E}">
+        <p14:creationId xmlns:p14="http://schemas.microsoft.com/office/powerpoint/2010/main" val="2725915923"/>
       </p:ext>
     </p:extLst>
   </p:cSld>
